--- a/Documents/Block Diagram/ArbPwrBoost_BlockDiagram.pptx
+++ b/Documents/Block Diagram/ArbPwrBoost_BlockDiagram.pptx
@@ -105,6 +105,11 @@
       </a:defRPr>
     </a:lvl9pPr>
   </p:defaultTextStyle>
+  <p:extLst>
+    <p:ext uri="{EFAFB233-063F-42B5-8137-9DF3F51BA10A}">
+      <p15:sldGuideLst xmlns:p15="http://schemas.microsoft.com/office/powerpoint/2012/main"/>
+    </p:ext>
+  </p:extLst>
 </p:presentation>
 </file>
 
@@ -255,7 +260,7 @@
           <a:p>
             <a:fld id="{7C803F88-51BB-45E7-81D6-BE5590E09D46}" type="datetimeFigureOut">
               <a:rPr lang="en-US" smtClean="0"/>
-              <a:t>2/6/2025</a:t>
+              <a:t>2/14/2025</a:t>
             </a:fld>
             <a:endParaRPr lang="en-US"/>
           </a:p>
@@ -453,7 +458,7 @@
           <a:p>
             <a:fld id="{7C803F88-51BB-45E7-81D6-BE5590E09D46}" type="datetimeFigureOut">
               <a:rPr lang="en-US" smtClean="0"/>
-              <a:t>2/6/2025</a:t>
+              <a:t>2/14/2025</a:t>
             </a:fld>
             <a:endParaRPr lang="en-US"/>
           </a:p>
@@ -661,7 +666,7 @@
           <a:p>
             <a:fld id="{7C803F88-51BB-45E7-81D6-BE5590E09D46}" type="datetimeFigureOut">
               <a:rPr lang="en-US" smtClean="0"/>
-              <a:t>2/6/2025</a:t>
+              <a:t>2/14/2025</a:t>
             </a:fld>
             <a:endParaRPr lang="en-US"/>
           </a:p>
@@ -859,7 +864,7 @@
           <a:p>
             <a:fld id="{7C803F88-51BB-45E7-81D6-BE5590E09D46}" type="datetimeFigureOut">
               <a:rPr lang="en-US" smtClean="0"/>
-              <a:t>2/6/2025</a:t>
+              <a:t>2/14/2025</a:t>
             </a:fld>
             <a:endParaRPr lang="en-US"/>
           </a:p>
@@ -1134,7 +1139,7 @@
           <a:p>
             <a:fld id="{7C803F88-51BB-45E7-81D6-BE5590E09D46}" type="datetimeFigureOut">
               <a:rPr lang="en-US" smtClean="0"/>
-              <a:t>2/6/2025</a:t>
+              <a:t>2/14/2025</a:t>
             </a:fld>
             <a:endParaRPr lang="en-US"/>
           </a:p>
@@ -1399,7 +1404,7 @@
           <a:p>
             <a:fld id="{7C803F88-51BB-45E7-81D6-BE5590E09D46}" type="datetimeFigureOut">
               <a:rPr lang="en-US" smtClean="0"/>
-              <a:t>2/6/2025</a:t>
+              <a:t>2/14/2025</a:t>
             </a:fld>
             <a:endParaRPr lang="en-US"/>
           </a:p>
@@ -1811,7 +1816,7 @@
           <a:p>
             <a:fld id="{7C803F88-51BB-45E7-81D6-BE5590E09D46}" type="datetimeFigureOut">
               <a:rPr lang="en-US" smtClean="0"/>
-              <a:t>2/6/2025</a:t>
+              <a:t>2/14/2025</a:t>
             </a:fld>
             <a:endParaRPr lang="en-US"/>
           </a:p>
@@ -1952,7 +1957,7 @@
           <a:p>
             <a:fld id="{7C803F88-51BB-45E7-81D6-BE5590E09D46}" type="datetimeFigureOut">
               <a:rPr lang="en-US" smtClean="0"/>
-              <a:t>2/6/2025</a:t>
+              <a:t>2/14/2025</a:t>
             </a:fld>
             <a:endParaRPr lang="en-US"/>
           </a:p>
@@ -2065,7 +2070,7 @@
           <a:p>
             <a:fld id="{7C803F88-51BB-45E7-81D6-BE5590E09D46}" type="datetimeFigureOut">
               <a:rPr lang="en-US" smtClean="0"/>
-              <a:t>2/6/2025</a:t>
+              <a:t>2/14/2025</a:t>
             </a:fld>
             <a:endParaRPr lang="en-US"/>
           </a:p>
@@ -2376,7 +2381,7 @@
           <a:p>
             <a:fld id="{7C803F88-51BB-45E7-81D6-BE5590E09D46}" type="datetimeFigureOut">
               <a:rPr lang="en-US" smtClean="0"/>
-              <a:t>2/6/2025</a:t>
+              <a:t>2/14/2025</a:t>
             </a:fld>
             <a:endParaRPr lang="en-US"/>
           </a:p>
@@ -2664,7 +2669,7 @@
           <a:p>
             <a:fld id="{7C803F88-51BB-45E7-81D6-BE5590E09D46}" type="datetimeFigureOut">
               <a:rPr lang="en-US" smtClean="0"/>
-              <a:t>2/6/2025</a:t>
+              <a:t>2/14/2025</a:t>
             </a:fld>
             <a:endParaRPr lang="en-US"/>
           </a:p>
@@ -2905,7 +2910,7 @@
           <a:p>
             <a:fld id="{7C803F88-51BB-45E7-81D6-BE5590E09D46}" type="datetimeFigureOut">
               <a:rPr lang="en-US" smtClean="0"/>
-              <a:t>2/6/2025</a:t>
+              <a:t>2/14/2025</a:t>
             </a:fld>
             <a:endParaRPr lang="en-US"/>
           </a:p>
@@ -3324,10 +3329,10 @@
       </p:grpSpPr>
       <p:sp>
         <p:nvSpPr>
-          <p:cNvPr id="7" name="Rectangle 6">
-            <a:extLst>
-              <a:ext uri="{FF2B5EF4-FFF2-40B4-BE49-F238E27FC236}">
-                <a16:creationId xmlns:a16="http://schemas.microsoft.com/office/drawing/2014/main" id="{7673CB6D-26E4-D226-F5B0-61944ADCCE77}"/>
+          <p:cNvPr id="5" name="Rectangle 4">
+            <a:extLst>
+              <a:ext uri="{FF2B5EF4-FFF2-40B4-BE49-F238E27FC236}">
+                <a16:creationId xmlns:a16="http://schemas.microsoft.com/office/drawing/2014/main" id="{6A94D099-30FB-22D4-13DD-F4CB5C66515B}"/>
               </a:ext>
             </a:extLst>
           </p:cNvPr>
@@ -3336,58 +3341,7 @@
         </p:nvSpPr>
         <p:spPr>
           <a:xfrm>
-            <a:off x="3038921" y="1191955"/>
-            <a:ext cx="1592391" cy="3303037"/>
-          </a:xfrm>
-          <a:prstGeom prst="rect">
-            <a:avLst/>
-          </a:prstGeom>
-          <a:solidFill>
-            <a:srgbClr val="FF0000">
-              <a:alpha val="39000"/>
-            </a:srgbClr>
-          </a:solidFill>
-        </p:spPr>
-        <p:style>
-          <a:lnRef idx="2">
-            <a:schemeClr val="accent1">
-              <a:shade val="50000"/>
-            </a:schemeClr>
-          </a:lnRef>
-          <a:fillRef idx="1">
-            <a:schemeClr val="accent1"/>
-          </a:fillRef>
-          <a:effectRef idx="0">
-            <a:schemeClr val="accent1"/>
-          </a:effectRef>
-          <a:fontRef idx="minor">
-            <a:schemeClr val="lt1"/>
-          </a:fontRef>
-        </p:style>
-        <p:txBody>
-          <a:bodyPr rtlCol="0" anchor="ctr"/>
-          <a:lstStyle/>
-          <a:p>
-            <a:pPr algn="ctr"/>
-            <a:endParaRPr lang="en-US" dirty="0"/>
-          </a:p>
-        </p:txBody>
-      </p:sp>
-      <p:sp>
-        <p:nvSpPr>
-          <p:cNvPr id="5" name="Rectangle 4">
-            <a:extLst>
-              <a:ext uri="{FF2B5EF4-FFF2-40B4-BE49-F238E27FC236}">
-                <a16:creationId xmlns:a16="http://schemas.microsoft.com/office/drawing/2014/main" id="{6A94D099-30FB-22D4-13DD-F4CB5C66515B}"/>
-              </a:ext>
-            </a:extLst>
-          </p:cNvPr>
-          <p:cNvSpPr/>
-          <p:nvPr/>
-        </p:nvSpPr>
-        <p:spPr>
-          <a:xfrm>
-            <a:off x="3211995" y="2995355"/>
+            <a:off x="3920937" y="3320037"/>
             <a:ext cx="1291527" cy="1251123"/>
           </a:xfrm>
           <a:prstGeom prst="rect">
@@ -3427,7 +3381,7 @@
             <a:pPr algn="ctr"/>
             <a:r>
               <a:rPr lang="en-US" sz="1200" dirty="0"/>
-              <a:t>20V 3A(MIN)</a:t>
+              <a:t>+20V NOMINAL</a:t>
             </a:r>
           </a:p>
         </p:txBody>
@@ -3446,7 +3400,7 @@
         </p:nvSpPr>
         <p:spPr>
           <a:xfrm>
-            <a:off x="3205011" y="1501553"/>
+            <a:off x="3913953" y="1826235"/>
             <a:ext cx="1291527" cy="1251123"/>
           </a:xfrm>
           <a:prstGeom prst="rect">
@@ -3486,7 +3440,7 @@
             <a:pPr algn="ctr"/>
             <a:r>
               <a:rPr lang="en-US" sz="1200" dirty="0"/>
-              <a:t>20V 3A(MIN)</a:t>
+              <a:t>-20V NOMINAL</a:t>
             </a:r>
           </a:p>
         </p:txBody>
@@ -3505,8 +3459,8 @@
         </p:nvSpPr>
         <p:spPr>
           <a:xfrm>
-            <a:off x="2893043" y="837876"/>
-            <a:ext cx="1915461" cy="369332"/>
+            <a:off x="3971011" y="1176842"/>
+            <a:ext cx="1213537" cy="646331"/>
           </a:xfrm>
           <a:prstGeom prst="rect">
             <a:avLst/>
@@ -3522,7 +3476,14 @@
             <a:pPr algn="ctr"/>
             <a:r>
               <a:rPr lang="en-US" dirty="0"/>
-              <a:t>SYSTEM EXT PWR</a:t>
+              <a:t>±20V PWR</a:t>
+            </a:r>
+          </a:p>
+          <a:p>
+            <a:pPr algn="ctr"/>
+            <a:r>
+              <a:rPr lang="en-US" dirty="0"/>
+              <a:t>MONITOR</a:t>
             </a:r>
           </a:p>
         </p:txBody>
@@ -3549,7 +3510,7 @@
         </p:blipFill>
         <p:spPr>
           <a:xfrm>
-            <a:off x="1204458" y="1651488"/>
+            <a:off x="247741" y="1969016"/>
             <a:ext cx="1022682" cy="951251"/>
           </a:xfrm>
           <a:prstGeom prst="rect">
@@ -3584,7 +3545,7 @@
         </p:blipFill>
         <p:spPr>
           <a:xfrm>
-            <a:off x="1211695" y="3145290"/>
+            <a:off x="268091" y="3469971"/>
             <a:ext cx="1022682" cy="951251"/>
           </a:xfrm>
           <a:prstGeom prst="rect">
@@ -3611,7 +3572,7 @@
         </p:nvSpPr>
         <p:spPr>
           <a:xfrm>
-            <a:off x="7276740" y="2995355"/>
+            <a:off x="140905" y="5481709"/>
             <a:ext cx="1291527" cy="1251123"/>
           </a:xfrm>
           <a:prstGeom prst="rect">
@@ -3651,7 +3612,7 @@
             <a:pPr algn="ctr"/>
             <a:r>
               <a:rPr lang="en-US" sz="1200" dirty="0"/>
-              <a:t>1A</a:t>
+              <a:t>800mA</a:t>
             </a:r>
           </a:p>
         </p:txBody>
@@ -3685,7 +3646,7 @@
         </p:blipFill>
         <p:spPr bwMode="auto">
           <a:xfrm>
-            <a:off x="5220866" y="1591331"/>
+            <a:off x="7751995" y="1911078"/>
             <a:ext cx="1071562" cy="1071562"/>
           </a:xfrm>
           <a:prstGeom prst="rect">
@@ -3739,7 +3700,7 @@
         </p:blipFill>
         <p:spPr bwMode="auto">
           <a:xfrm>
-            <a:off x="5220866" y="3085134"/>
+            <a:off x="7751995" y="3409817"/>
             <a:ext cx="1071562" cy="1071562"/>
           </a:xfrm>
           <a:prstGeom prst="rect">
@@ -3766,22 +3727,24 @@
       </p:pic>
       <p:cxnSp>
         <p:nvCxnSpPr>
-          <p:cNvPr id="16" name="Straight Arrow Connector 15">
-            <a:extLst>
-              <a:ext uri="{FF2B5EF4-FFF2-40B4-BE49-F238E27FC236}">
-                <a16:creationId xmlns:a16="http://schemas.microsoft.com/office/drawing/2014/main" id="{B736C241-A9DA-BBC6-ACB5-8720AC43D8D5}"/>
+          <p:cNvPr id="30" name="Straight Arrow Connector 29">
+            <a:extLst>
+              <a:ext uri="{FF2B5EF4-FFF2-40B4-BE49-F238E27FC236}">
+                <a16:creationId xmlns:a16="http://schemas.microsoft.com/office/drawing/2014/main" id="{5D402F8B-6C49-3B98-DF6D-868579515227}"/>
               </a:ext>
             </a:extLst>
           </p:cNvPr>
           <p:cNvCxnSpPr>
-            <a:stCxn id="2050" idx="1"/>
+            <a:cxnSpLocks/>
+            <a:stCxn id="12" idx="3"/>
+            <a:endCxn id="34" idx="1"/>
           </p:cNvCxnSpPr>
           <p:nvPr/>
         </p:nvCxnSpPr>
         <p:spPr>
-          <a:xfrm flipH="1">
-            <a:off x="4631312" y="2127112"/>
-            <a:ext cx="589554" cy="0"/>
+          <a:xfrm>
+            <a:off x="1432432" y="6107271"/>
+            <a:ext cx="755489" cy="1"/>
           </a:xfrm>
           <a:prstGeom prst="straightConnector1">
             <a:avLst/>
@@ -3805,216 +3768,6 @@
           </a:fontRef>
         </p:style>
       </p:cxnSp>
-      <p:cxnSp>
-        <p:nvCxnSpPr>
-          <p:cNvPr id="18" name="Straight Arrow Connector 17">
-            <a:extLst>
-              <a:ext uri="{FF2B5EF4-FFF2-40B4-BE49-F238E27FC236}">
-                <a16:creationId xmlns:a16="http://schemas.microsoft.com/office/drawing/2014/main" id="{19F432FA-4B8C-61A6-B224-D34C416951EA}"/>
-              </a:ext>
-            </a:extLst>
-          </p:cNvPr>
-          <p:cNvCxnSpPr>
-            <a:stCxn id="14" idx="1"/>
-          </p:cNvCxnSpPr>
-          <p:nvPr/>
-        </p:nvCxnSpPr>
-        <p:spPr>
-          <a:xfrm flipH="1">
-            <a:off x="4631312" y="3620915"/>
-            <a:ext cx="589554" cy="0"/>
-          </a:xfrm>
-          <a:prstGeom prst="straightConnector1">
-            <a:avLst/>
-          </a:prstGeom>
-          <a:ln>
-            <a:tailEnd type="triangle"/>
-          </a:ln>
-        </p:spPr>
-        <p:style>
-          <a:lnRef idx="2">
-            <a:schemeClr val="accent1"/>
-          </a:lnRef>
-          <a:fillRef idx="0">
-            <a:schemeClr val="accent1"/>
-          </a:fillRef>
-          <a:effectRef idx="1">
-            <a:schemeClr val="accent1"/>
-          </a:effectRef>
-          <a:fontRef idx="minor">
-            <a:schemeClr val="tx1"/>
-          </a:fontRef>
-        </p:style>
-      </p:cxnSp>
-      <p:cxnSp>
-        <p:nvCxnSpPr>
-          <p:cNvPr id="20" name="Straight Arrow Connector 19">
-            <a:extLst>
-              <a:ext uri="{FF2B5EF4-FFF2-40B4-BE49-F238E27FC236}">
-                <a16:creationId xmlns:a16="http://schemas.microsoft.com/office/drawing/2014/main" id="{05118A54-F570-5996-0039-501F0108CEBA}"/>
-              </a:ext>
-            </a:extLst>
-          </p:cNvPr>
-          <p:cNvCxnSpPr>
-            <a:stCxn id="14" idx="3"/>
-            <a:endCxn id="12" idx="1"/>
-          </p:cNvCxnSpPr>
-          <p:nvPr/>
-        </p:nvCxnSpPr>
-        <p:spPr>
-          <a:xfrm>
-            <a:off x="6292428" y="3620915"/>
-            <a:ext cx="984312" cy="2"/>
-          </a:xfrm>
-          <a:prstGeom prst="straightConnector1">
-            <a:avLst/>
-          </a:prstGeom>
-          <a:ln>
-            <a:tailEnd type="triangle"/>
-          </a:ln>
-        </p:spPr>
-        <p:style>
-          <a:lnRef idx="2">
-            <a:schemeClr val="accent1"/>
-          </a:lnRef>
-          <a:fillRef idx="0">
-            <a:schemeClr val="accent1"/>
-          </a:fillRef>
-          <a:effectRef idx="1">
-            <a:schemeClr val="accent1"/>
-          </a:effectRef>
-          <a:fontRef idx="minor">
-            <a:schemeClr val="tx1"/>
-          </a:fontRef>
-        </p:style>
-      </p:cxnSp>
-      <p:cxnSp>
-        <p:nvCxnSpPr>
-          <p:cNvPr id="22" name="Connector: Elbow 21">
-            <a:extLst>
-              <a:ext uri="{FF2B5EF4-FFF2-40B4-BE49-F238E27FC236}">
-                <a16:creationId xmlns:a16="http://schemas.microsoft.com/office/drawing/2014/main" id="{048E5474-5C2F-B68B-BA6D-5F85CDEB615E}"/>
-              </a:ext>
-            </a:extLst>
-          </p:cNvPr>
-          <p:cNvCxnSpPr>
-            <a:cxnSpLocks/>
-            <a:stCxn id="14" idx="2"/>
-          </p:cNvCxnSpPr>
-          <p:nvPr/>
-        </p:nvCxnSpPr>
-        <p:spPr>
-          <a:xfrm rot="16200000" flipH="1">
-            <a:off x="6148353" y="3764990"/>
-            <a:ext cx="958022" cy="1741434"/>
-          </a:xfrm>
-          <a:prstGeom prst="bentConnector2">
-            <a:avLst/>
-          </a:prstGeom>
-          <a:ln>
-            <a:tailEnd type="triangle"/>
-          </a:ln>
-        </p:spPr>
-        <p:style>
-          <a:lnRef idx="2">
-            <a:schemeClr val="accent1"/>
-          </a:lnRef>
-          <a:fillRef idx="0">
-            <a:schemeClr val="accent1"/>
-          </a:fillRef>
-          <a:effectRef idx="1">
-            <a:schemeClr val="accent1"/>
-          </a:effectRef>
-          <a:fontRef idx="minor">
-            <a:schemeClr val="tx1"/>
-          </a:fontRef>
-        </p:style>
-      </p:cxnSp>
-      <p:cxnSp>
-        <p:nvCxnSpPr>
-          <p:cNvPr id="24" name="Straight Arrow Connector 23">
-            <a:extLst>
-              <a:ext uri="{FF2B5EF4-FFF2-40B4-BE49-F238E27FC236}">
-                <a16:creationId xmlns:a16="http://schemas.microsoft.com/office/drawing/2014/main" id="{423EF0FA-8ABA-6E17-723C-2C09670163EB}"/>
-              </a:ext>
-            </a:extLst>
-          </p:cNvPr>
-          <p:cNvCxnSpPr>
-            <a:cxnSpLocks/>
-            <a:stCxn id="2050" idx="3"/>
-          </p:cNvCxnSpPr>
-          <p:nvPr/>
-        </p:nvCxnSpPr>
-        <p:spPr>
-          <a:xfrm>
-            <a:off x="6292428" y="2127112"/>
-            <a:ext cx="1205653" cy="0"/>
-          </a:xfrm>
-          <a:prstGeom prst="straightConnector1">
-            <a:avLst/>
-          </a:prstGeom>
-          <a:ln>
-            <a:tailEnd type="triangle"/>
-          </a:ln>
-        </p:spPr>
-        <p:style>
-          <a:lnRef idx="2">
-            <a:schemeClr val="accent1"/>
-          </a:lnRef>
-          <a:fillRef idx="0">
-            <a:schemeClr val="accent1"/>
-          </a:fillRef>
-          <a:effectRef idx="1">
-            <a:schemeClr val="accent1"/>
-          </a:effectRef>
-          <a:fontRef idx="minor">
-            <a:schemeClr val="tx1"/>
-          </a:fontRef>
-        </p:style>
-      </p:cxnSp>
-      <p:cxnSp>
-        <p:nvCxnSpPr>
-          <p:cNvPr id="30" name="Straight Arrow Connector 29">
-            <a:extLst>
-              <a:ext uri="{FF2B5EF4-FFF2-40B4-BE49-F238E27FC236}">
-                <a16:creationId xmlns:a16="http://schemas.microsoft.com/office/drawing/2014/main" id="{5D402F8B-6C49-3B98-DF6D-868579515227}"/>
-              </a:ext>
-            </a:extLst>
-          </p:cNvPr>
-          <p:cNvCxnSpPr>
-            <a:cxnSpLocks/>
-            <a:stCxn id="12" idx="3"/>
-            <a:endCxn id="34" idx="1"/>
-          </p:cNvCxnSpPr>
-          <p:nvPr/>
-        </p:nvCxnSpPr>
-        <p:spPr>
-          <a:xfrm flipV="1">
-            <a:off x="8568267" y="3620915"/>
-            <a:ext cx="807349" cy="2"/>
-          </a:xfrm>
-          <a:prstGeom prst="straightConnector1">
-            <a:avLst/>
-          </a:prstGeom>
-          <a:ln>
-            <a:tailEnd type="triangle"/>
-          </a:ln>
-        </p:spPr>
-        <p:style>
-          <a:lnRef idx="2">
-            <a:schemeClr val="accent1"/>
-          </a:lnRef>
-          <a:fillRef idx="0">
-            <a:schemeClr val="accent1"/>
-          </a:fillRef>
-          <a:effectRef idx="1">
-            <a:schemeClr val="accent1"/>
-          </a:effectRef>
-          <a:fontRef idx="minor">
-            <a:schemeClr val="tx1"/>
-          </a:fontRef>
-        </p:style>
-      </p:cxnSp>
       <p:sp>
         <p:nvSpPr>
           <p:cNvPr id="32" name="TextBox 31">
@@ -4029,8 +3782,8 @@
         </p:nvSpPr>
         <p:spPr>
           <a:xfrm>
-            <a:off x="7498081" y="1988612"/>
-            <a:ext cx="1838079" cy="276999"/>
+            <a:off x="9373753" y="2216026"/>
+            <a:ext cx="1838079" cy="461665"/>
           </a:xfrm>
           <a:prstGeom prst="rect">
             <a:avLst/>
@@ -4054,7 +3807,7 @@
                 <a:latin typeface="Arial" panose="020B0604020202020204" pitchFamily="34" charset="0"/>
                 <a:cs typeface="Arial" panose="020B0604020202020204" pitchFamily="34" charset="0"/>
               </a:rPr>
-              <a:t>- MAIN SUPPLY RAIL</a:t>
+              <a:t>-20V SWITCHED SUPPLY RAIL</a:t>
             </a:r>
           </a:p>
         </p:txBody>
@@ -4073,8 +3826,8 @@
         </p:nvSpPr>
         <p:spPr>
           <a:xfrm>
-            <a:off x="7498080" y="4976219"/>
-            <a:ext cx="1838079" cy="276999"/>
+            <a:off x="9373752" y="3714765"/>
+            <a:ext cx="1838079" cy="461665"/>
           </a:xfrm>
           <a:prstGeom prst="rect">
             <a:avLst/>
@@ -4098,7 +3851,7 @@
                 <a:latin typeface="Arial" panose="020B0604020202020204" pitchFamily="34" charset="0"/>
                 <a:cs typeface="Arial" panose="020B0604020202020204" pitchFamily="34" charset="0"/>
               </a:rPr>
-              <a:t>+ MAIN SUPPLY RAIL</a:t>
+              <a:t>+20V SWITCHED SUPPLY RAIL</a:t>
             </a:r>
           </a:p>
         </p:txBody>
@@ -4117,7 +3870,7 @@
         </p:nvSpPr>
         <p:spPr>
           <a:xfrm>
-            <a:off x="9375616" y="3482415"/>
+            <a:off x="2187921" y="5968772"/>
             <a:ext cx="1448171" cy="276999"/>
           </a:xfrm>
           <a:prstGeom prst="rect">
@@ -4157,14 +3910,15 @@
             </a:extLst>
           </p:cNvPr>
           <p:cNvCxnSpPr>
+            <a:cxnSpLocks/>
             <a:stCxn id="10" idx="3"/>
           </p:cNvCxnSpPr>
           <p:nvPr/>
         </p:nvCxnSpPr>
         <p:spPr>
-          <a:xfrm flipV="1">
-            <a:off x="2227140" y="2127111"/>
-            <a:ext cx="811781" cy="3"/>
+          <a:xfrm>
+            <a:off x="1270423" y="2444642"/>
+            <a:ext cx="462993" cy="0"/>
           </a:xfrm>
           <a:prstGeom prst="straightConnector1">
             <a:avLst/>
@@ -4198,14 +3952,15 @@
             </a:extLst>
           </p:cNvPr>
           <p:cNvCxnSpPr>
+            <a:cxnSpLocks/>
             <a:stCxn id="11" idx="3"/>
           </p:cNvCxnSpPr>
           <p:nvPr/>
         </p:nvCxnSpPr>
         <p:spPr>
           <a:xfrm flipV="1">
-            <a:off x="2234377" y="3620914"/>
-            <a:ext cx="804544" cy="2"/>
+            <a:off x="1290773" y="3945596"/>
+            <a:ext cx="455756" cy="1"/>
           </a:xfrm>
           <a:prstGeom prst="straightConnector1">
             <a:avLst/>
@@ -4243,8 +3998,8 @@
         </p:nvSpPr>
         <p:spPr>
           <a:xfrm>
-            <a:off x="4837607" y="1177536"/>
-            <a:ext cx="1838079" cy="276999"/>
+            <a:off x="7751994" y="1320242"/>
+            <a:ext cx="1071563" cy="461665"/>
           </a:xfrm>
           <a:prstGeom prst="rect">
             <a:avLst/>
@@ -4268,11 +4023,832 @@
                 <a:latin typeface="Arial" panose="020B0604020202020204" pitchFamily="34" charset="0"/>
                 <a:cs typeface="Arial" panose="020B0604020202020204" pitchFamily="34" charset="0"/>
               </a:rPr>
-              <a:t>BULK CAP STORAGE</a:t>
-            </a:r>
-          </a:p>
-        </p:txBody>
-      </p:sp>
+              <a:t>BULK STORAGE</a:t>
+            </a:r>
+          </a:p>
+        </p:txBody>
+      </p:sp>
+      <p:sp>
+        <p:nvSpPr>
+          <p:cNvPr id="2" name="Rectangle 1">
+            <a:extLst>
+              <a:ext uri="{FF2B5EF4-FFF2-40B4-BE49-F238E27FC236}">
+                <a16:creationId xmlns:a16="http://schemas.microsoft.com/office/drawing/2014/main" id="{D2BECFB5-31D8-7295-4D6A-7BFB2F744195}"/>
+              </a:ext>
+            </a:extLst>
+          </p:cNvPr>
+          <p:cNvSpPr/>
+          <p:nvPr/>
+        </p:nvSpPr>
+        <p:spPr>
+          <a:xfrm>
+            <a:off x="1735976" y="1516637"/>
+            <a:ext cx="1592391" cy="3303037"/>
+          </a:xfrm>
+          <a:prstGeom prst="rect">
+            <a:avLst/>
+          </a:prstGeom>
+        </p:spPr>
+        <p:style>
+          <a:lnRef idx="2">
+            <a:schemeClr val="accent4">
+              <a:shade val="15000"/>
+            </a:schemeClr>
+          </a:lnRef>
+          <a:fillRef idx="1">
+            <a:schemeClr val="accent4"/>
+          </a:fillRef>
+          <a:effectRef idx="0">
+            <a:schemeClr val="accent4"/>
+          </a:effectRef>
+          <a:fontRef idx="minor">
+            <a:schemeClr val="lt1"/>
+          </a:fontRef>
+        </p:style>
+        <p:txBody>
+          <a:bodyPr rtlCol="0" anchor="ctr"/>
+          <a:lstStyle/>
+          <a:p>
+            <a:pPr algn="ctr"/>
+            <a:endParaRPr lang="en-US" dirty="0"/>
+          </a:p>
+        </p:txBody>
+      </p:sp>
+      <p:sp>
+        <p:nvSpPr>
+          <p:cNvPr id="9" name="TextBox 8">
+            <a:extLst>
+              <a:ext uri="{FF2B5EF4-FFF2-40B4-BE49-F238E27FC236}">
+                <a16:creationId xmlns:a16="http://schemas.microsoft.com/office/drawing/2014/main" id="{212154EF-BB21-8DA9-8B3D-3F5CE7D9960D}"/>
+              </a:ext>
+            </a:extLst>
+          </p:cNvPr>
+          <p:cNvSpPr txBox="1"/>
+          <p:nvPr/>
+        </p:nvSpPr>
+        <p:spPr>
+          <a:xfrm>
+            <a:off x="1851458" y="931386"/>
+            <a:ext cx="1250406" cy="646331"/>
+          </a:xfrm>
+          <a:prstGeom prst="rect">
+            <a:avLst/>
+          </a:prstGeom>
+          <a:noFill/>
+        </p:spPr>
+        <p:txBody>
+          <a:bodyPr wrap="none" rtlCol="0">
+            <a:spAutoFit/>
+          </a:bodyPr>
+          <a:lstStyle/>
+          <a:p>
+            <a:pPr algn="ctr"/>
+            <a:r>
+              <a:rPr lang="en-US" dirty="0"/>
+              <a:t>MAIN PWR</a:t>
+            </a:r>
+          </a:p>
+          <a:p>
+            <a:pPr algn="ctr"/>
+            <a:r>
+              <a:rPr lang="en-US" dirty="0"/>
+              <a:t>RELAY</a:t>
+            </a:r>
+          </a:p>
+        </p:txBody>
+      </p:sp>
+      <p:sp>
+        <p:nvSpPr>
+          <p:cNvPr id="21" name="TextBox 20">
+            <a:extLst>
+              <a:ext uri="{FF2B5EF4-FFF2-40B4-BE49-F238E27FC236}">
+                <a16:creationId xmlns:a16="http://schemas.microsoft.com/office/drawing/2014/main" id="{726503E7-0CE9-79A7-1005-B639BD844856}"/>
+              </a:ext>
+            </a:extLst>
+          </p:cNvPr>
+          <p:cNvSpPr txBox="1"/>
+          <p:nvPr/>
+        </p:nvSpPr>
+        <p:spPr>
+          <a:xfrm>
+            <a:off x="86485" y="1638507"/>
+            <a:ext cx="1314784" cy="369332"/>
+          </a:xfrm>
+          <a:prstGeom prst="rect">
+            <a:avLst/>
+          </a:prstGeom>
+          <a:noFill/>
+        </p:spPr>
+        <p:txBody>
+          <a:bodyPr wrap="none" rtlCol="0">
+            <a:spAutoFit/>
+          </a:bodyPr>
+          <a:lstStyle/>
+          <a:p>
+            <a:r>
+              <a:rPr lang="en-US" dirty="0"/>
+              <a:t>-20V INPUT</a:t>
+            </a:r>
+          </a:p>
+        </p:txBody>
+      </p:sp>
+      <p:sp>
+        <p:nvSpPr>
+          <p:cNvPr id="23" name="TextBox 22">
+            <a:extLst>
+              <a:ext uri="{FF2B5EF4-FFF2-40B4-BE49-F238E27FC236}">
+                <a16:creationId xmlns:a16="http://schemas.microsoft.com/office/drawing/2014/main" id="{F2E674C5-9400-178D-572D-800FB94C6B15}"/>
+              </a:ext>
+            </a:extLst>
+          </p:cNvPr>
+          <p:cNvSpPr txBox="1"/>
+          <p:nvPr/>
+        </p:nvSpPr>
+        <p:spPr>
+          <a:xfrm>
+            <a:off x="106835" y="3176483"/>
+            <a:ext cx="1359668" cy="369332"/>
+          </a:xfrm>
+          <a:prstGeom prst="rect">
+            <a:avLst/>
+          </a:prstGeom>
+          <a:noFill/>
+        </p:spPr>
+        <p:txBody>
+          <a:bodyPr wrap="none" rtlCol="0">
+            <a:spAutoFit/>
+          </a:bodyPr>
+          <a:lstStyle/>
+          <a:p>
+            <a:r>
+              <a:rPr lang="en-US" dirty="0"/>
+              <a:t>+20V INPUT</a:t>
+            </a:r>
+          </a:p>
+        </p:txBody>
+      </p:sp>
+      <p:sp>
+        <p:nvSpPr>
+          <p:cNvPr id="31" name="Rectangle 30">
+            <a:extLst>
+              <a:ext uri="{FF2B5EF4-FFF2-40B4-BE49-F238E27FC236}">
+                <a16:creationId xmlns:a16="http://schemas.microsoft.com/office/drawing/2014/main" id="{C9E12034-1097-7ACA-6AD5-7774680F7E19}"/>
+              </a:ext>
+            </a:extLst>
+          </p:cNvPr>
+          <p:cNvSpPr/>
+          <p:nvPr/>
+        </p:nvSpPr>
+        <p:spPr>
+          <a:xfrm>
+            <a:off x="5833317" y="1826235"/>
+            <a:ext cx="1291527" cy="1251123"/>
+          </a:xfrm>
+          <a:prstGeom prst="rect">
+            <a:avLst/>
+          </a:prstGeom>
+          <a:solidFill>
+            <a:srgbClr val="FF0000"/>
+          </a:solidFill>
+        </p:spPr>
+        <p:style>
+          <a:lnRef idx="2">
+            <a:schemeClr val="accent4">
+              <a:shade val="50000"/>
+            </a:schemeClr>
+          </a:lnRef>
+          <a:fillRef idx="1">
+            <a:schemeClr val="accent4"/>
+          </a:fillRef>
+          <a:effectRef idx="0">
+            <a:schemeClr val="accent4"/>
+          </a:effectRef>
+          <a:fontRef idx="minor">
+            <a:schemeClr val="lt1"/>
+          </a:fontRef>
+        </p:style>
+        <p:txBody>
+          <a:bodyPr rtlCol="0" anchor="ctr"/>
+          <a:lstStyle/>
+          <a:p>
+            <a:pPr algn="ctr"/>
+            <a:r>
+              <a:rPr lang="en-US" sz="1200" dirty="0"/>
+              <a:t>-20V INRUSH CURRENT LIMITER</a:t>
+            </a:r>
+          </a:p>
+        </p:txBody>
+      </p:sp>
+      <p:sp>
+        <p:nvSpPr>
+          <p:cNvPr id="35" name="Rectangle 34">
+            <a:extLst>
+              <a:ext uri="{FF2B5EF4-FFF2-40B4-BE49-F238E27FC236}">
+                <a16:creationId xmlns:a16="http://schemas.microsoft.com/office/drawing/2014/main" id="{F38830DD-1CCE-45D1-989E-9DED5A643B46}"/>
+              </a:ext>
+            </a:extLst>
+          </p:cNvPr>
+          <p:cNvSpPr/>
+          <p:nvPr/>
+        </p:nvSpPr>
+        <p:spPr>
+          <a:xfrm>
+            <a:off x="5827192" y="3320037"/>
+            <a:ext cx="1291527" cy="1251123"/>
+          </a:xfrm>
+          <a:prstGeom prst="rect">
+            <a:avLst/>
+          </a:prstGeom>
+          <a:solidFill>
+            <a:srgbClr val="FF0000"/>
+          </a:solidFill>
+        </p:spPr>
+        <p:style>
+          <a:lnRef idx="2">
+            <a:schemeClr val="accent4">
+              <a:shade val="50000"/>
+            </a:schemeClr>
+          </a:lnRef>
+          <a:fillRef idx="1">
+            <a:schemeClr val="accent4"/>
+          </a:fillRef>
+          <a:effectRef idx="0">
+            <a:schemeClr val="accent4"/>
+          </a:effectRef>
+          <a:fontRef idx="minor">
+            <a:schemeClr val="lt1"/>
+          </a:fontRef>
+        </p:style>
+        <p:txBody>
+          <a:bodyPr rtlCol="0" anchor="ctr"/>
+          <a:lstStyle/>
+          <a:p>
+            <a:pPr algn="ctr"/>
+            <a:r>
+              <a:rPr lang="en-US" sz="1200" dirty="0"/>
+              <a:t>+20V INRUSH CURRENT LIMITER</a:t>
+            </a:r>
+          </a:p>
+        </p:txBody>
+      </p:sp>
+      <p:cxnSp>
+        <p:nvCxnSpPr>
+          <p:cNvPr id="39" name="Straight Arrow Connector 38">
+            <a:extLst>
+              <a:ext uri="{FF2B5EF4-FFF2-40B4-BE49-F238E27FC236}">
+                <a16:creationId xmlns:a16="http://schemas.microsoft.com/office/drawing/2014/main" id="{76A05095-F2E3-C1B5-4A30-1D4BCE4543D1}"/>
+              </a:ext>
+            </a:extLst>
+          </p:cNvPr>
+          <p:cNvCxnSpPr>
+            <a:cxnSpLocks/>
+            <a:stCxn id="6" idx="3"/>
+          </p:cNvCxnSpPr>
+          <p:nvPr/>
+        </p:nvCxnSpPr>
+        <p:spPr>
+          <a:xfrm>
+            <a:off x="5205480" y="2451797"/>
+            <a:ext cx="621712" cy="0"/>
+          </a:xfrm>
+          <a:prstGeom prst="straightConnector1">
+            <a:avLst/>
+          </a:prstGeom>
+          <a:ln>
+            <a:tailEnd type="triangle"/>
+          </a:ln>
+        </p:spPr>
+        <p:style>
+          <a:lnRef idx="2">
+            <a:schemeClr val="accent1"/>
+          </a:lnRef>
+          <a:fillRef idx="0">
+            <a:schemeClr val="accent1"/>
+          </a:fillRef>
+          <a:effectRef idx="1">
+            <a:schemeClr val="accent1"/>
+          </a:effectRef>
+          <a:fontRef idx="minor">
+            <a:schemeClr val="tx1"/>
+          </a:fontRef>
+        </p:style>
+      </p:cxnSp>
+      <p:cxnSp>
+        <p:nvCxnSpPr>
+          <p:cNvPr id="44" name="Straight Arrow Connector 43">
+            <a:extLst>
+              <a:ext uri="{FF2B5EF4-FFF2-40B4-BE49-F238E27FC236}">
+                <a16:creationId xmlns:a16="http://schemas.microsoft.com/office/drawing/2014/main" id="{A8CF2BF7-B25B-FFFE-6B12-729EA0E082CD}"/>
+              </a:ext>
+            </a:extLst>
+          </p:cNvPr>
+          <p:cNvCxnSpPr>
+            <a:cxnSpLocks/>
+            <a:stCxn id="5" idx="3"/>
+            <a:endCxn id="35" idx="1"/>
+          </p:cNvCxnSpPr>
+          <p:nvPr/>
+        </p:nvCxnSpPr>
+        <p:spPr>
+          <a:xfrm>
+            <a:off x="5212464" y="3945599"/>
+            <a:ext cx="614728" cy="0"/>
+          </a:xfrm>
+          <a:prstGeom prst="straightConnector1">
+            <a:avLst/>
+          </a:prstGeom>
+          <a:ln>
+            <a:tailEnd type="triangle"/>
+          </a:ln>
+        </p:spPr>
+        <p:style>
+          <a:lnRef idx="2">
+            <a:schemeClr val="accent1"/>
+          </a:lnRef>
+          <a:fillRef idx="0">
+            <a:schemeClr val="accent1"/>
+          </a:fillRef>
+          <a:effectRef idx="1">
+            <a:schemeClr val="accent1"/>
+          </a:effectRef>
+          <a:fontRef idx="minor">
+            <a:schemeClr val="tx1"/>
+          </a:fontRef>
+        </p:style>
+      </p:cxnSp>
+      <p:cxnSp>
+        <p:nvCxnSpPr>
+          <p:cNvPr id="46" name="Straight Arrow Connector 45">
+            <a:extLst>
+              <a:ext uri="{FF2B5EF4-FFF2-40B4-BE49-F238E27FC236}">
+                <a16:creationId xmlns:a16="http://schemas.microsoft.com/office/drawing/2014/main" id="{9F92B1B4-EAEF-540F-B71B-F291DD253A8F}"/>
+              </a:ext>
+            </a:extLst>
+          </p:cNvPr>
+          <p:cNvCxnSpPr>
+            <a:cxnSpLocks/>
+            <a:stCxn id="31" idx="3"/>
+            <a:endCxn id="2050" idx="1"/>
+          </p:cNvCxnSpPr>
+          <p:nvPr/>
+        </p:nvCxnSpPr>
+        <p:spPr>
+          <a:xfrm flipV="1">
+            <a:off x="7124844" y="2446859"/>
+            <a:ext cx="627151" cy="4938"/>
+          </a:xfrm>
+          <a:prstGeom prst="straightConnector1">
+            <a:avLst/>
+          </a:prstGeom>
+          <a:ln>
+            <a:tailEnd type="triangle"/>
+          </a:ln>
+        </p:spPr>
+        <p:style>
+          <a:lnRef idx="2">
+            <a:schemeClr val="accent1"/>
+          </a:lnRef>
+          <a:fillRef idx="0">
+            <a:schemeClr val="accent1"/>
+          </a:fillRef>
+          <a:effectRef idx="1">
+            <a:schemeClr val="accent1"/>
+          </a:effectRef>
+          <a:fontRef idx="minor">
+            <a:schemeClr val="tx1"/>
+          </a:fontRef>
+        </p:style>
+      </p:cxnSp>
+      <p:cxnSp>
+        <p:nvCxnSpPr>
+          <p:cNvPr id="49" name="Straight Arrow Connector 48">
+            <a:extLst>
+              <a:ext uri="{FF2B5EF4-FFF2-40B4-BE49-F238E27FC236}">
+                <a16:creationId xmlns:a16="http://schemas.microsoft.com/office/drawing/2014/main" id="{D2DC93D0-8BFA-8513-08B8-E0B955D0129C}"/>
+              </a:ext>
+            </a:extLst>
+          </p:cNvPr>
+          <p:cNvCxnSpPr>
+            <a:cxnSpLocks/>
+            <a:stCxn id="35" idx="3"/>
+            <a:endCxn id="14" idx="1"/>
+          </p:cNvCxnSpPr>
+          <p:nvPr/>
+        </p:nvCxnSpPr>
+        <p:spPr>
+          <a:xfrm flipV="1">
+            <a:off x="7118719" y="3945598"/>
+            <a:ext cx="633276" cy="1"/>
+          </a:xfrm>
+          <a:prstGeom prst="straightConnector1">
+            <a:avLst/>
+          </a:prstGeom>
+          <a:ln>
+            <a:tailEnd type="triangle"/>
+          </a:ln>
+        </p:spPr>
+        <p:style>
+          <a:lnRef idx="2">
+            <a:schemeClr val="accent1"/>
+          </a:lnRef>
+          <a:fillRef idx="0">
+            <a:schemeClr val="accent1"/>
+          </a:fillRef>
+          <a:effectRef idx="1">
+            <a:schemeClr val="accent1"/>
+          </a:effectRef>
+          <a:fontRef idx="minor">
+            <a:schemeClr val="tx1"/>
+          </a:fontRef>
+        </p:style>
+      </p:cxnSp>
+      <p:cxnSp>
+        <p:nvCxnSpPr>
+          <p:cNvPr id="53" name="Straight Arrow Connector 52">
+            <a:extLst>
+              <a:ext uri="{FF2B5EF4-FFF2-40B4-BE49-F238E27FC236}">
+                <a16:creationId xmlns:a16="http://schemas.microsoft.com/office/drawing/2014/main" id="{9F8EAE25-69E3-726F-E882-8A8A5315E253}"/>
+              </a:ext>
+            </a:extLst>
+          </p:cNvPr>
+          <p:cNvCxnSpPr>
+            <a:stCxn id="2050" idx="3"/>
+            <a:endCxn id="32" idx="1"/>
+          </p:cNvCxnSpPr>
+          <p:nvPr/>
+        </p:nvCxnSpPr>
+        <p:spPr>
+          <a:xfrm>
+            <a:off x="8823557" y="2446859"/>
+            <a:ext cx="550196" cy="0"/>
+          </a:xfrm>
+          <a:prstGeom prst="straightConnector1">
+            <a:avLst/>
+          </a:prstGeom>
+          <a:ln>
+            <a:tailEnd type="triangle"/>
+          </a:ln>
+        </p:spPr>
+        <p:style>
+          <a:lnRef idx="2">
+            <a:schemeClr val="accent1"/>
+          </a:lnRef>
+          <a:fillRef idx="0">
+            <a:schemeClr val="accent1"/>
+          </a:fillRef>
+          <a:effectRef idx="1">
+            <a:schemeClr val="accent1"/>
+          </a:effectRef>
+          <a:fontRef idx="minor">
+            <a:schemeClr val="tx1"/>
+          </a:fontRef>
+        </p:style>
+      </p:cxnSp>
+      <p:cxnSp>
+        <p:nvCxnSpPr>
+          <p:cNvPr id="55" name="Straight Arrow Connector 54">
+            <a:extLst>
+              <a:ext uri="{FF2B5EF4-FFF2-40B4-BE49-F238E27FC236}">
+                <a16:creationId xmlns:a16="http://schemas.microsoft.com/office/drawing/2014/main" id="{3A430143-4E0A-77E9-D96C-573DB6A4D76C}"/>
+              </a:ext>
+            </a:extLst>
+          </p:cNvPr>
+          <p:cNvCxnSpPr>
+            <a:stCxn id="14" idx="3"/>
+            <a:endCxn id="33" idx="1"/>
+          </p:cNvCxnSpPr>
+          <p:nvPr/>
+        </p:nvCxnSpPr>
+        <p:spPr>
+          <a:xfrm>
+            <a:off x="8823557" y="3945598"/>
+            <a:ext cx="550195" cy="0"/>
+          </a:xfrm>
+          <a:prstGeom prst="straightConnector1">
+            <a:avLst/>
+          </a:prstGeom>
+          <a:ln>
+            <a:tailEnd type="triangle"/>
+          </a:ln>
+        </p:spPr>
+        <p:style>
+          <a:lnRef idx="2">
+            <a:schemeClr val="accent1"/>
+          </a:lnRef>
+          <a:fillRef idx="0">
+            <a:schemeClr val="accent1"/>
+          </a:fillRef>
+          <a:effectRef idx="1">
+            <a:schemeClr val="accent1"/>
+          </a:effectRef>
+          <a:fontRef idx="minor">
+            <a:schemeClr val="tx1"/>
+          </a:fontRef>
+        </p:style>
+      </p:cxnSp>
+      <p:cxnSp>
+        <p:nvCxnSpPr>
+          <p:cNvPr id="59" name="Connector: Elbow 58">
+            <a:extLst>
+              <a:ext uri="{FF2B5EF4-FFF2-40B4-BE49-F238E27FC236}">
+                <a16:creationId xmlns:a16="http://schemas.microsoft.com/office/drawing/2014/main" id="{B65FCA2D-5564-64A0-FA68-E26694C09E57}"/>
+              </a:ext>
+            </a:extLst>
+          </p:cNvPr>
+          <p:cNvCxnSpPr>
+            <a:cxnSpLocks/>
+            <a:stCxn id="2" idx="2"/>
+          </p:cNvCxnSpPr>
+          <p:nvPr/>
+        </p:nvCxnSpPr>
+        <p:spPr>
+          <a:xfrm rot="16200000" flipH="1">
+            <a:off x="5573217" y="1778629"/>
+            <a:ext cx="759491" cy="6841580"/>
+          </a:xfrm>
+          <a:prstGeom prst="bentConnector2">
+            <a:avLst/>
+          </a:prstGeom>
+          <a:ln>
+            <a:headEnd type="triangle"/>
+            <a:tailEnd type="none"/>
+          </a:ln>
+        </p:spPr>
+        <p:style>
+          <a:lnRef idx="2">
+            <a:schemeClr val="accent1"/>
+          </a:lnRef>
+          <a:fillRef idx="0">
+            <a:schemeClr val="accent1"/>
+          </a:fillRef>
+          <a:effectRef idx="1">
+            <a:schemeClr val="accent1"/>
+          </a:effectRef>
+          <a:fontRef idx="minor">
+            <a:schemeClr val="tx1"/>
+          </a:fontRef>
+        </p:style>
+      </p:cxnSp>
+      <p:sp>
+        <p:nvSpPr>
+          <p:cNvPr id="63" name="TextBox 62">
+            <a:extLst>
+              <a:ext uri="{FF2B5EF4-FFF2-40B4-BE49-F238E27FC236}">
+                <a16:creationId xmlns:a16="http://schemas.microsoft.com/office/drawing/2014/main" id="{0A27BBD4-AC67-3C32-338C-E68A7D238794}"/>
+              </a:ext>
+            </a:extLst>
+          </p:cNvPr>
+          <p:cNvSpPr txBox="1"/>
+          <p:nvPr/>
+        </p:nvSpPr>
+        <p:spPr>
+          <a:xfrm>
+            <a:off x="9373751" y="5337076"/>
+            <a:ext cx="1838079" cy="461665"/>
+          </a:xfrm>
+          <a:prstGeom prst="rect">
+            <a:avLst/>
+          </a:prstGeom>
+          <a:noFill/>
+          <a:ln>
+            <a:solidFill>
+              <a:schemeClr val="accent1"/>
+            </a:solidFill>
+          </a:ln>
+        </p:spPr>
+        <p:txBody>
+          <a:bodyPr wrap="square" rtlCol="0">
+            <a:spAutoFit/>
+          </a:bodyPr>
+          <a:lstStyle/>
+          <a:p>
+            <a:pPr algn="ctr"/>
+            <a:r>
+              <a:rPr lang="en-US" sz="1200" dirty="0">
+                <a:latin typeface="Arial" panose="020B0604020202020204" pitchFamily="34" charset="0"/>
+                <a:cs typeface="Arial" panose="020B0604020202020204" pitchFamily="34" charset="0"/>
+              </a:rPr>
+              <a:t>MAIN SUPPLY RAIL ENABLE</a:t>
+            </a:r>
+          </a:p>
+        </p:txBody>
+      </p:sp>
+      <p:cxnSp>
+        <p:nvCxnSpPr>
+          <p:cNvPr id="2051" name="Straight Arrow Connector 2050">
+            <a:extLst>
+              <a:ext uri="{FF2B5EF4-FFF2-40B4-BE49-F238E27FC236}">
+                <a16:creationId xmlns:a16="http://schemas.microsoft.com/office/drawing/2014/main" id="{957C7392-5F99-2FE7-7B8E-F7C7697C33DD}"/>
+              </a:ext>
+            </a:extLst>
+          </p:cNvPr>
+          <p:cNvCxnSpPr>
+            <a:cxnSpLocks/>
+            <a:endCxn id="6" idx="1"/>
+          </p:cNvCxnSpPr>
+          <p:nvPr/>
+        </p:nvCxnSpPr>
+        <p:spPr>
+          <a:xfrm>
+            <a:off x="3328368" y="2444642"/>
+            <a:ext cx="585585" cy="7155"/>
+          </a:xfrm>
+          <a:prstGeom prst="straightConnector1">
+            <a:avLst/>
+          </a:prstGeom>
+          <a:ln>
+            <a:tailEnd type="triangle"/>
+          </a:ln>
+        </p:spPr>
+        <p:style>
+          <a:lnRef idx="2">
+            <a:schemeClr val="accent1"/>
+          </a:lnRef>
+          <a:fillRef idx="0">
+            <a:schemeClr val="accent1"/>
+          </a:fillRef>
+          <a:effectRef idx="1">
+            <a:schemeClr val="accent1"/>
+          </a:effectRef>
+          <a:fontRef idx="minor">
+            <a:schemeClr val="tx1"/>
+          </a:fontRef>
+        </p:style>
+      </p:cxnSp>
+      <p:cxnSp>
+        <p:nvCxnSpPr>
+          <p:cNvPr id="2052" name="Straight Arrow Connector 2051">
+            <a:extLst>
+              <a:ext uri="{FF2B5EF4-FFF2-40B4-BE49-F238E27FC236}">
+                <a16:creationId xmlns:a16="http://schemas.microsoft.com/office/drawing/2014/main" id="{89B6D742-764C-0BAB-1157-833FB2A5D329}"/>
+              </a:ext>
+            </a:extLst>
+          </p:cNvPr>
+          <p:cNvCxnSpPr>
+            <a:cxnSpLocks/>
+            <a:endCxn id="5" idx="1"/>
+          </p:cNvCxnSpPr>
+          <p:nvPr/>
+        </p:nvCxnSpPr>
+        <p:spPr>
+          <a:xfrm>
+            <a:off x="3328367" y="3945598"/>
+            <a:ext cx="592570" cy="1"/>
+          </a:xfrm>
+          <a:prstGeom prst="straightConnector1">
+            <a:avLst/>
+          </a:prstGeom>
+          <a:ln>
+            <a:tailEnd type="triangle"/>
+          </a:ln>
+        </p:spPr>
+        <p:style>
+          <a:lnRef idx="2">
+            <a:schemeClr val="accent1"/>
+          </a:lnRef>
+          <a:fillRef idx="0">
+            <a:schemeClr val="accent1"/>
+          </a:fillRef>
+          <a:effectRef idx="1">
+            <a:schemeClr val="accent1"/>
+          </a:effectRef>
+          <a:fontRef idx="minor">
+            <a:schemeClr val="tx1"/>
+          </a:fontRef>
+        </p:style>
+      </p:cxnSp>
+      <p:sp>
+        <p:nvSpPr>
+          <p:cNvPr id="2065" name="TextBox 2064">
+            <a:extLst>
+              <a:ext uri="{FF2B5EF4-FFF2-40B4-BE49-F238E27FC236}">
+                <a16:creationId xmlns:a16="http://schemas.microsoft.com/office/drawing/2014/main" id="{4CDE4D34-4703-F6DD-2255-A238E69EA26D}"/>
+              </a:ext>
+            </a:extLst>
+          </p:cNvPr>
+          <p:cNvSpPr txBox="1"/>
+          <p:nvPr/>
+        </p:nvSpPr>
+        <p:spPr>
+          <a:xfrm>
+            <a:off x="5974261" y="1187442"/>
+            <a:ext cx="997388" cy="646331"/>
+          </a:xfrm>
+          <a:prstGeom prst="rect">
+            <a:avLst/>
+          </a:prstGeom>
+          <a:noFill/>
+        </p:spPr>
+        <p:txBody>
+          <a:bodyPr wrap="none" rtlCol="0">
+            <a:spAutoFit/>
+          </a:bodyPr>
+          <a:lstStyle/>
+          <a:p>
+            <a:pPr algn="ctr"/>
+            <a:r>
+              <a:rPr lang="en-US" dirty="0"/>
+              <a:t>INRUSH</a:t>
+            </a:r>
+          </a:p>
+          <a:p>
+            <a:pPr algn="ctr"/>
+            <a:r>
+              <a:rPr lang="en-US" dirty="0"/>
+              <a:t>LIMITER</a:t>
+            </a:r>
+          </a:p>
+        </p:txBody>
+      </p:sp>
+      <p:cxnSp>
+        <p:nvCxnSpPr>
+          <p:cNvPr id="2067" name="Straight Arrow Connector 2066">
+            <a:extLst>
+              <a:ext uri="{FF2B5EF4-FFF2-40B4-BE49-F238E27FC236}">
+                <a16:creationId xmlns:a16="http://schemas.microsoft.com/office/drawing/2014/main" id="{FC3CDFC7-AA06-6A66-388A-AEFB6218144F}"/>
+              </a:ext>
+            </a:extLst>
+          </p:cNvPr>
+          <p:cNvCxnSpPr>
+            <a:stCxn id="11" idx="2"/>
+            <a:endCxn id="12" idx="0"/>
+          </p:cNvCxnSpPr>
+          <p:nvPr/>
+        </p:nvCxnSpPr>
+        <p:spPr>
+          <a:xfrm>
+            <a:off x="779432" y="4421222"/>
+            <a:ext cx="7237" cy="1060487"/>
+          </a:xfrm>
+          <a:prstGeom prst="straightConnector1">
+            <a:avLst/>
+          </a:prstGeom>
+          <a:ln>
+            <a:tailEnd type="triangle"/>
+          </a:ln>
+        </p:spPr>
+        <p:style>
+          <a:lnRef idx="2">
+            <a:schemeClr val="accent1"/>
+          </a:lnRef>
+          <a:fillRef idx="0">
+            <a:schemeClr val="accent1"/>
+          </a:fillRef>
+          <a:effectRef idx="1">
+            <a:schemeClr val="accent1"/>
+          </a:effectRef>
+          <a:fontRef idx="minor">
+            <a:schemeClr val="tx1"/>
+          </a:fontRef>
+        </p:style>
+      </p:cxnSp>
+      <p:pic>
+        <p:nvPicPr>
+          <p:cNvPr id="1026" name="Picture 2">
+            <a:extLst>
+              <a:ext uri="{FF2B5EF4-FFF2-40B4-BE49-F238E27FC236}">
+                <a16:creationId xmlns:a16="http://schemas.microsoft.com/office/drawing/2014/main" id="{37E48C5E-BEF1-605D-64F9-A7596A03F885}"/>
+              </a:ext>
+            </a:extLst>
+          </p:cNvPr>
+          <p:cNvPicPr>
+            <a:picLocks noChangeAspect="1" noChangeArrowheads="1"/>
+          </p:cNvPicPr>
+          <p:nvPr/>
+        </p:nvPicPr>
+        <p:blipFill>
+          <a:blip r:embed="rId4">
+            <a:extLst>
+              <a:ext uri="{28A0092B-C50C-407E-A947-70E740481C1C}">
+                <a14:useLocalDpi xmlns:a14="http://schemas.microsoft.com/office/drawing/2010/main" val="0"/>
+              </a:ext>
+            </a:extLst>
+          </a:blip>
+          <a:srcRect/>
+          <a:stretch>
+            <a:fillRect/>
+          </a:stretch>
+        </p:blipFill>
+        <p:spPr bwMode="auto">
+          <a:xfrm>
+            <a:off x="1862993" y="2548385"/>
+            <a:ext cx="1448172" cy="1288612"/>
+          </a:xfrm>
+          <a:prstGeom prst="rect">
+            <a:avLst/>
+          </a:prstGeom>
+          <a:noFill/>
+          <a:extLst>
+            <a:ext uri="{909E8E84-426E-40DD-AFC4-6F175D3DCCD1}">
+              <a14:hiddenFill xmlns:a14="http://schemas.microsoft.com/office/drawing/2010/main">
+                <a:solidFill>
+                  <a:srgbClr val="FFFFFF"/>
+                </a:solidFill>
+              </a14:hiddenFill>
+            </a:ext>
+          </a:extLst>
+        </p:spPr>
+      </p:pic>
     </p:spTree>
     <p:extLst>
       <p:ext uri="{BB962C8B-B14F-4D97-AF65-F5344CB8AC3E}">
@@ -5979,12 +6555,756 @@
           </a:p>
         </p:txBody>
       </p:sp>
-      <p:sp>
-        <p:nvSpPr>
-          <p:cNvPr id="1089" name="Rectangle 1088">
-            <a:extLst>
-              <a:ext uri="{FF2B5EF4-FFF2-40B4-BE49-F238E27FC236}">
-                <a16:creationId xmlns:a16="http://schemas.microsoft.com/office/drawing/2014/main" id="{D9B71582-2FD2-4C08-32EE-0AEFD36FD273}"/>
+      <p:cxnSp>
+        <p:nvCxnSpPr>
+          <p:cNvPr id="1090" name="Straight Arrow Connector 1089">
+            <a:extLst>
+              <a:ext uri="{FF2B5EF4-FFF2-40B4-BE49-F238E27FC236}">
+                <a16:creationId xmlns:a16="http://schemas.microsoft.com/office/drawing/2014/main" id="{E02FAFAB-C787-0139-8D56-A6588FC2EBBE}"/>
+              </a:ext>
+            </a:extLst>
+          </p:cNvPr>
+          <p:cNvCxnSpPr>
+            <a:cxnSpLocks/>
+            <a:stCxn id="1081" idx="3"/>
+          </p:cNvCxnSpPr>
+          <p:nvPr/>
+        </p:nvCxnSpPr>
+        <p:spPr>
+          <a:xfrm>
+            <a:off x="9485094" y="5448405"/>
+            <a:ext cx="455497" cy="0"/>
+          </a:xfrm>
+          <a:prstGeom prst="straightConnector1">
+            <a:avLst/>
+          </a:prstGeom>
+          <a:ln>
+            <a:tailEnd type="triangle"/>
+          </a:ln>
+        </p:spPr>
+        <p:style>
+          <a:lnRef idx="2">
+            <a:schemeClr val="accent1"/>
+          </a:lnRef>
+          <a:fillRef idx="0">
+            <a:schemeClr val="accent1"/>
+          </a:fillRef>
+          <a:effectRef idx="1">
+            <a:schemeClr val="accent1"/>
+          </a:effectRef>
+          <a:fontRef idx="minor">
+            <a:schemeClr val="tx1"/>
+          </a:fontRef>
+        </p:style>
+      </p:cxnSp>
+      <p:cxnSp>
+        <p:nvCxnSpPr>
+          <p:cNvPr id="1091" name="Straight Arrow Connector 1090">
+            <a:extLst>
+              <a:ext uri="{FF2B5EF4-FFF2-40B4-BE49-F238E27FC236}">
+                <a16:creationId xmlns:a16="http://schemas.microsoft.com/office/drawing/2014/main" id="{1414EA40-B1AC-70B5-F819-EED72F8B0234}"/>
+              </a:ext>
+            </a:extLst>
+          </p:cNvPr>
+          <p:cNvCxnSpPr>
+            <a:cxnSpLocks/>
+            <a:endCxn id="1080" idx="1"/>
+          </p:cNvCxnSpPr>
+          <p:nvPr/>
+        </p:nvCxnSpPr>
+        <p:spPr>
+          <a:xfrm flipV="1">
+            <a:off x="10991788" y="5439302"/>
+            <a:ext cx="455500" cy="9103"/>
+          </a:xfrm>
+          <a:prstGeom prst="straightConnector1">
+            <a:avLst/>
+          </a:prstGeom>
+          <a:ln>
+            <a:tailEnd type="triangle"/>
+          </a:ln>
+        </p:spPr>
+        <p:style>
+          <a:lnRef idx="2">
+            <a:schemeClr val="accent1"/>
+          </a:lnRef>
+          <a:fillRef idx="0">
+            <a:schemeClr val="accent1"/>
+          </a:fillRef>
+          <a:effectRef idx="1">
+            <a:schemeClr val="accent1"/>
+          </a:effectRef>
+          <a:fontRef idx="minor">
+            <a:schemeClr val="tx1"/>
+          </a:fontRef>
+        </p:style>
+      </p:cxnSp>
+      <p:sp>
+        <p:nvSpPr>
+          <p:cNvPr id="1092" name="TextBox 1091">
+            <a:extLst>
+              <a:ext uri="{FF2B5EF4-FFF2-40B4-BE49-F238E27FC236}">
+                <a16:creationId xmlns:a16="http://schemas.microsoft.com/office/drawing/2014/main" id="{C9E2B825-4A28-A679-4B10-91C0EE1C6F8D}"/>
+              </a:ext>
+            </a:extLst>
+          </p:cNvPr>
+          <p:cNvSpPr txBox="1"/>
+          <p:nvPr/>
+        </p:nvSpPr>
+        <p:spPr>
+          <a:xfrm>
+            <a:off x="11256336" y="5718625"/>
+            <a:ext cx="971741" cy="307777"/>
+          </a:xfrm>
+          <a:prstGeom prst="rect">
+            <a:avLst/>
+          </a:prstGeom>
+          <a:noFill/>
+        </p:spPr>
+        <p:txBody>
+          <a:bodyPr wrap="none" rtlCol="0">
+            <a:spAutoFit/>
+          </a:bodyPr>
+          <a:lstStyle/>
+          <a:p>
+            <a:r>
+              <a:rPr lang="en-US" sz="1400" b="1" dirty="0">
+                <a:latin typeface="Arial" panose="020B0604020202020204" pitchFamily="34" charset="0"/>
+                <a:cs typeface="Arial" panose="020B0604020202020204" pitchFamily="34" charset="0"/>
+              </a:rPr>
+              <a:t>CH2 OUT</a:t>
+            </a:r>
+          </a:p>
+        </p:txBody>
+      </p:sp>
+      <p:cxnSp>
+        <p:nvCxnSpPr>
+          <p:cNvPr id="1096" name="Connector: Elbow 1095">
+            <a:extLst>
+              <a:ext uri="{FF2B5EF4-FFF2-40B4-BE49-F238E27FC236}">
+                <a16:creationId xmlns:a16="http://schemas.microsoft.com/office/drawing/2014/main" id="{03B23965-09F1-C2DD-21FC-A5F3860AAFA8}"/>
+              </a:ext>
+            </a:extLst>
+          </p:cNvPr>
+          <p:cNvCxnSpPr>
+            <a:stCxn id="6" idx="2"/>
+            <a:endCxn id="30" idx="0"/>
+          </p:cNvCxnSpPr>
+          <p:nvPr/>
+        </p:nvCxnSpPr>
+        <p:spPr>
+          <a:xfrm rot="16200000" flipH="1">
+            <a:off x="4396242" y="2218390"/>
+            <a:ext cx="594236" cy="227748"/>
+          </a:xfrm>
+          <a:prstGeom prst="bentConnector3">
+            <a:avLst/>
+          </a:prstGeom>
+          <a:ln>
+            <a:headEnd type="triangle"/>
+            <a:tailEnd type="triangle"/>
+          </a:ln>
+        </p:spPr>
+        <p:style>
+          <a:lnRef idx="2">
+            <a:schemeClr val="accent1"/>
+          </a:lnRef>
+          <a:fillRef idx="0">
+            <a:schemeClr val="accent1"/>
+          </a:fillRef>
+          <a:effectRef idx="1">
+            <a:schemeClr val="accent1"/>
+          </a:effectRef>
+          <a:fontRef idx="minor">
+            <a:schemeClr val="tx1"/>
+          </a:fontRef>
+        </p:style>
+      </p:cxnSp>
+      <p:cxnSp>
+        <p:nvCxnSpPr>
+          <p:cNvPr id="1098" name="Connector: Elbow 1097">
+            <a:extLst>
+              <a:ext uri="{FF2B5EF4-FFF2-40B4-BE49-F238E27FC236}">
+                <a16:creationId xmlns:a16="http://schemas.microsoft.com/office/drawing/2014/main" id="{7B469490-C671-5FFF-03A9-2C821379E6DB}"/>
+              </a:ext>
+            </a:extLst>
+          </p:cNvPr>
+          <p:cNvCxnSpPr>
+            <a:cxnSpLocks/>
+            <a:stCxn id="4" idx="2"/>
+          </p:cNvCxnSpPr>
+          <p:nvPr/>
+        </p:nvCxnSpPr>
+        <p:spPr>
+          <a:xfrm rot="16200000" flipH="1">
+            <a:off x="1654106" y="2017178"/>
+            <a:ext cx="945120" cy="981064"/>
+          </a:xfrm>
+          <a:prstGeom prst="bentConnector2">
+            <a:avLst/>
+          </a:prstGeom>
+          <a:ln>
+            <a:headEnd type="triangle"/>
+            <a:tailEnd type="none"/>
+          </a:ln>
+        </p:spPr>
+        <p:style>
+          <a:lnRef idx="2">
+            <a:schemeClr val="accent1"/>
+          </a:lnRef>
+          <a:fillRef idx="0">
+            <a:schemeClr val="accent1"/>
+          </a:fillRef>
+          <a:effectRef idx="1">
+            <a:schemeClr val="accent1"/>
+          </a:effectRef>
+          <a:fontRef idx="minor">
+            <a:schemeClr val="tx1"/>
+          </a:fontRef>
+        </p:style>
+      </p:cxnSp>
+      <p:cxnSp>
+        <p:nvCxnSpPr>
+          <p:cNvPr id="1104" name="Connector: Elbow 1103">
+            <a:extLst>
+              <a:ext uri="{FF2B5EF4-FFF2-40B4-BE49-F238E27FC236}">
+                <a16:creationId xmlns:a16="http://schemas.microsoft.com/office/drawing/2014/main" id="{270383A1-7BFE-8ABC-B12F-384D4C8AFB98}"/>
+              </a:ext>
+            </a:extLst>
+          </p:cNvPr>
+          <p:cNvCxnSpPr>
+            <a:stCxn id="10" idx="2"/>
+          </p:cNvCxnSpPr>
+          <p:nvPr/>
+        </p:nvCxnSpPr>
+        <p:spPr>
+          <a:xfrm rot="5400000">
+            <a:off x="7532900" y="1499483"/>
+            <a:ext cx="890937" cy="1962257"/>
+          </a:xfrm>
+          <a:prstGeom prst="bentConnector2">
+            <a:avLst/>
+          </a:prstGeom>
+          <a:ln>
+            <a:tailEnd type="triangle"/>
+          </a:ln>
+        </p:spPr>
+        <p:style>
+          <a:lnRef idx="2">
+            <a:schemeClr val="accent1"/>
+          </a:lnRef>
+          <a:fillRef idx="0">
+            <a:schemeClr val="accent1"/>
+          </a:fillRef>
+          <a:effectRef idx="1">
+            <a:schemeClr val="accent1"/>
+          </a:effectRef>
+          <a:fontRef idx="minor">
+            <a:schemeClr val="tx1"/>
+          </a:fontRef>
+        </p:style>
+      </p:cxnSp>
+      <p:cxnSp>
+        <p:nvCxnSpPr>
+          <p:cNvPr id="1106" name="Connector: Elbow 1105">
+            <a:extLst>
+              <a:ext uri="{FF2B5EF4-FFF2-40B4-BE49-F238E27FC236}">
+                <a16:creationId xmlns:a16="http://schemas.microsoft.com/office/drawing/2014/main" id="{2662FEE8-65CB-E0FE-9CB0-BF6541F6DD21}"/>
+              </a:ext>
+            </a:extLst>
+          </p:cNvPr>
+          <p:cNvCxnSpPr>
+            <a:stCxn id="1040" idx="2"/>
+          </p:cNvCxnSpPr>
+          <p:nvPr/>
+        </p:nvCxnSpPr>
+        <p:spPr>
+          <a:xfrm rot="5400000">
+            <a:off x="8177856" y="854493"/>
+            <a:ext cx="1107684" cy="3468984"/>
+          </a:xfrm>
+          <a:prstGeom prst="bentConnector2">
+            <a:avLst/>
+          </a:prstGeom>
+          <a:ln>
+            <a:headEnd type="triangle"/>
+            <a:tailEnd type="none"/>
+          </a:ln>
+        </p:spPr>
+        <p:style>
+          <a:lnRef idx="2">
+            <a:schemeClr val="accent1"/>
+          </a:lnRef>
+          <a:fillRef idx="0">
+            <a:schemeClr val="accent1"/>
+          </a:fillRef>
+          <a:effectRef idx="1">
+            <a:schemeClr val="accent1"/>
+          </a:effectRef>
+          <a:fontRef idx="minor">
+            <a:schemeClr val="tx1"/>
+          </a:fontRef>
+        </p:style>
+      </p:cxnSp>
+      <p:cxnSp>
+        <p:nvCxnSpPr>
+          <p:cNvPr id="1108" name="Connector: Elbow 1107">
+            <a:extLst>
+              <a:ext uri="{FF2B5EF4-FFF2-40B4-BE49-F238E27FC236}">
+                <a16:creationId xmlns:a16="http://schemas.microsoft.com/office/drawing/2014/main" id="{08697D19-57D8-B16A-76B8-3FA189EB171C}"/>
+              </a:ext>
+            </a:extLst>
+          </p:cNvPr>
+          <p:cNvCxnSpPr>
+            <a:stCxn id="1077" idx="0"/>
+            <a:endCxn id="30" idx="2"/>
+          </p:cNvCxnSpPr>
+          <p:nvPr/>
+        </p:nvCxnSpPr>
+        <p:spPr>
+          <a:xfrm rot="5400000" flipH="1" flipV="1">
+            <a:off x="4396246" y="4411858"/>
+            <a:ext cx="594229" cy="227748"/>
+          </a:xfrm>
+          <a:prstGeom prst="bentConnector3">
+            <a:avLst/>
+          </a:prstGeom>
+          <a:ln>
+            <a:headEnd type="triangle"/>
+            <a:tailEnd type="triangle"/>
+          </a:ln>
+        </p:spPr>
+        <p:style>
+          <a:lnRef idx="2">
+            <a:schemeClr val="accent1"/>
+          </a:lnRef>
+          <a:fillRef idx="0">
+            <a:schemeClr val="accent1"/>
+          </a:fillRef>
+          <a:effectRef idx="1">
+            <a:schemeClr val="accent1"/>
+          </a:effectRef>
+          <a:fontRef idx="minor">
+            <a:schemeClr val="tx1"/>
+          </a:fontRef>
+        </p:style>
+      </p:cxnSp>
+      <p:cxnSp>
+        <p:nvCxnSpPr>
+          <p:cNvPr id="1110" name="Connector: Elbow 1109">
+            <a:extLst>
+              <a:ext uri="{FF2B5EF4-FFF2-40B4-BE49-F238E27FC236}">
+                <a16:creationId xmlns:a16="http://schemas.microsoft.com/office/drawing/2014/main" id="{ED07CCB4-FCEA-5CBF-ED56-2A896A7DA913}"/>
+              </a:ext>
+            </a:extLst>
+          </p:cNvPr>
+          <p:cNvCxnSpPr>
+            <a:cxnSpLocks/>
+            <a:stCxn id="1075" idx="0"/>
+          </p:cNvCxnSpPr>
+          <p:nvPr/>
+        </p:nvCxnSpPr>
+        <p:spPr>
+          <a:xfrm rot="5400000" flipH="1" flipV="1">
+            <a:off x="1667044" y="3846814"/>
+            <a:ext cx="945126" cy="1006947"/>
+          </a:xfrm>
+          <a:prstGeom prst="bentConnector2">
+            <a:avLst/>
+          </a:prstGeom>
+          <a:ln>
+            <a:headEnd type="triangle"/>
+            <a:tailEnd type="none"/>
+          </a:ln>
+        </p:spPr>
+        <p:style>
+          <a:lnRef idx="2">
+            <a:schemeClr val="accent1"/>
+          </a:lnRef>
+          <a:fillRef idx="0">
+            <a:schemeClr val="accent1"/>
+          </a:fillRef>
+          <a:effectRef idx="1">
+            <a:schemeClr val="accent1"/>
+          </a:effectRef>
+          <a:fontRef idx="minor">
+            <a:schemeClr val="tx1"/>
+          </a:fontRef>
+        </p:style>
+      </p:cxnSp>
+      <p:cxnSp>
+        <p:nvCxnSpPr>
+          <p:cNvPr id="1114" name="Connector: Elbow 1113">
+            <a:extLst>
+              <a:ext uri="{FF2B5EF4-FFF2-40B4-BE49-F238E27FC236}">
+                <a16:creationId xmlns:a16="http://schemas.microsoft.com/office/drawing/2014/main" id="{35350D40-D4CC-B655-3DF7-9C4830C84F24}"/>
+              </a:ext>
+            </a:extLst>
+          </p:cNvPr>
+          <p:cNvCxnSpPr>
+            <a:stCxn id="1081" idx="0"/>
+          </p:cNvCxnSpPr>
+          <p:nvPr/>
+        </p:nvCxnSpPr>
+        <p:spPr>
+          <a:xfrm rot="16200000" flipV="1">
+            <a:off x="7537970" y="3401317"/>
+            <a:ext cx="880763" cy="1962290"/>
+          </a:xfrm>
+          <a:prstGeom prst="bentConnector2">
+            <a:avLst/>
+          </a:prstGeom>
+          <a:ln>
+            <a:tailEnd type="triangle"/>
+          </a:ln>
+        </p:spPr>
+        <p:style>
+          <a:lnRef idx="2">
+            <a:schemeClr val="accent1"/>
+          </a:lnRef>
+          <a:fillRef idx="0">
+            <a:schemeClr val="accent1"/>
+          </a:fillRef>
+          <a:effectRef idx="1">
+            <a:schemeClr val="accent1"/>
+          </a:effectRef>
+          <a:fontRef idx="minor">
+            <a:schemeClr val="tx1"/>
+          </a:fontRef>
+        </p:style>
+      </p:cxnSp>
+      <p:cxnSp>
+        <p:nvCxnSpPr>
+          <p:cNvPr id="1116" name="Connector: Elbow 1115">
+            <a:extLst>
+              <a:ext uri="{FF2B5EF4-FFF2-40B4-BE49-F238E27FC236}">
+                <a16:creationId xmlns:a16="http://schemas.microsoft.com/office/drawing/2014/main" id="{D4C0CA12-E15F-332A-EB15-3C3CD9C7B98E}"/>
+              </a:ext>
+            </a:extLst>
+          </p:cNvPr>
+          <p:cNvCxnSpPr>
+            <a:cxnSpLocks/>
+          </p:cNvCxnSpPr>
+          <p:nvPr/>
+        </p:nvCxnSpPr>
+        <p:spPr>
+          <a:xfrm rot="16200000" flipV="1">
+            <a:off x="8145690" y="2502343"/>
+            <a:ext cx="1172016" cy="3468984"/>
+          </a:xfrm>
+          <a:prstGeom prst="bentConnector2">
+            <a:avLst/>
+          </a:prstGeom>
+          <a:ln>
+            <a:headEnd type="triangle"/>
+            <a:tailEnd type="none"/>
+          </a:ln>
+        </p:spPr>
+        <p:style>
+          <a:lnRef idx="2">
+            <a:schemeClr val="accent1"/>
+          </a:lnRef>
+          <a:fillRef idx="0">
+            <a:schemeClr val="accent1"/>
+          </a:fillRef>
+          <a:effectRef idx="1">
+            <a:schemeClr val="accent1"/>
+          </a:effectRef>
+          <a:fontRef idx="minor">
+            <a:schemeClr val="tx1"/>
+          </a:fontRef>
+        </p:style>
+      </p:cxnSp>
+      <p:sp>
+        <p:nvSpPr>
+          <p:cNvPr id="1119" name="TextBox 1118">
+            <a:extLst>
+              <a:ext uri="{FF2B5EF4-FFF2-40B4-BE49-F238E27FC236}">
+                <a16:creationId xmlns:a16="http://schemas.microsoft.com/office/drawing/2014/main" id="{5D7C5854-5352-797D-4B09-9986C8EFC6DE}"/>
+              </a:ext>
+            </a:extLst>
+          </p:cNvPr>
+          <p:cNvSpPr txBox="1"/>
+          <p:nvPr/>
+        </p:nvSpPr>
+        <p:spPr>
+          <a:xfrm>
+            <a:off x="4770652" y="2219653"/>
+            <a:ext cx="423514" cy="276999"/>
+          </a:xfrm>
+          <a:prstGeom prst="rect">
+            <a:avLst/>
+          </a:prstGeom>
+          <a:noFill/>
+        </p:spPr>
+        <p:txBody>
+          <a:bodyPr wrap="none" rtlCol="0">
+            <a:spAutoFit/>
+          </a:bodyPr>
+          <a:lstStyle/>
+          <a:p>
+            <a:r>
+              <a:rPr lang="en-US" sz="1200" dirty="0">
+                <a:latin typeface="Arial" panose="020B0604020202020204" pitchFamily="34" charset="0"/>
+                <a:cs typeface="Arial" panose="020B0604020202020204" pitchFamily="34" charset="0"/>
+              </a:rPr>
+              <a:t>I2C</a:t>
+            </a:r>
+          </a:p>
+        </p:txBody>
+      </p:sp>
+      <p:sp>
+        <p:nvSpPr>
+          <p:cNvPr id="1120" name="TextBox 1119">
+            <a:extLst>
+              <a:ext uri="{FF2B5EF4-FFF2-40B4-BE49-F238E27FC236}">
+                <a16:creationId xmlns:a16="http://schemas.microsoft.com/office/drawing/2014/main" id="{6140BD97-2551-980E-B35F-4807BDF24DE8}"/>
+              </a:ext>
+            </a:extLst>
+          </p:cNvPr>
+          <p:cNvSpPr txBox="1"/>
+          <p:nvPr/>
+        </p:nvSpPr>
+        <p:spPr>
+          <a:xfrm>
+            <a:off x="4785933" y="4391551"/>
+            <a:ext cx="423514" cy="276999"/>
+          </a:xfrm>
+          <a:prstGeom prst="rect">
+            <a:avLst/>
+          </a:prstGeom>
+          <a:noFill/>
+        </p:spPr>
+        <p:txBody>
+          <a:bodyPr wrap="none" rtlCol="0">
+            <a:spAutoFit/>
+          </a:bodyPr>
+          <a:lstStyle/>
+          <a:p>
+            <a:r>
+              <a:rPr lang="en-US" sz="1200" dirty="0">
+                <a:latin typeface="Arial" panose="020B0604020202020204" pitchFamily="34" charset="0"/>
+                <a:cs typeface="Arial" panose="020B0604020202020204" pitchFamily="34" charset="0"/>
+              </a:rPr>
+              <a:t>I2C</a:t>
+            </a:r>
+          </a:p>
+        </p:txBody>
+      </p:sp>
+      <p:sp>
+        <p:nvSpPr>
+          <p:cNvPr id="1121" name="TextBox 1120">
+            <a:extLst>
+              <a:ext uri="{FF2B5EF4-FFF2-40B4-BE49-F238E27FC236}">
+                <a16:creationId xmlns:a16="http://schemas.microsoft.com/office/drawing/2014/main" id="{0F068A9F-22DD-0D95-CDBF-AA0E42A18BE6}"/>
+              </a:ext>
+            </a:extLst>
+          </p:cNvPr>
+          <p:cNvSpPr txBox="1"/>
+          <p:nvPr/>
+        </p:nvSpPr>
+        <p:spPr>
+          <a:xfrm>
+            <a:off x="7240946" y="2702614"/>
+            <a:ext cx="508473" cy="276999"/>
+          </a:xfrm>
+          <a:prstGeom prst="rect">
+            <a:avLst/>
+          </a:prstGeom>
+          <a:noFill/>
+        </p:spPr>
+        <p:txBody>
+          <a:bodyPr wrap="none" rtlCol="0">
+            <a:spAutoFit/>
+          </a:bodyPr>
+          <a:lstStyle/>
+          <a:p>
+            <a:r>
+              <a:rPr lang="en-US" sz="1200" dirty="0">
+                <a:latin typeface="Arial" panose="020B0604020202020204" pitchFamily="34" charset="0"/>
+                <a:cs typeface="Arial" panose="020B0604020202020204" pitchFamily="34" charset="0"/>
+              </a:rPr>
+              <a:t>ADC</a:t>
+            </a:r>
+          </a:p>
+        </p:txBody>
+      </p:sp>
+      <p:sp>
+        <p:nvSpPr>
+          <p:cNvPr id="1122" name="TextBox 1121">
+            <a:extLst>
+              <a:ext uri="{FF2B5EF4-FFF2-40B4-BE49-F238E27FC236}">
+                <a16:creationId xmlns:a16="http://schemas.microsoft.com/office/drawing/2014/main" id="{DE2709CF-222F-3EBB-61EB-EB2BA8CA9E87}"/>
+              </a:ext>
+            </a:extLst>
+          </p:cNvPr>
+          <p:cNvSpPr txBox="1"/>
+          <p:nvPr/>
+        </p:nvSpPr>
+        <p:spPr>
+          <a:xfrm>
+            <a:off x="7240946" y="3902610"/>
+            <a:ext cx="508473" cy="276999"/>
+          </a:xfrm>
+          <a:prstGeom prst="rect">
+            <a:avLst/>
+          </a:prstGeom>
+          <a:noFill/>
+        </p:spPr>
+        <p:txBody>
+          <a:bodyPr wrap="none" rtlCol="0">
+            <a:spAutoFit/>
+          </a:bodyPr>
+          <a:lstStyle/>
+          <a:p>
+            <a:r>
+              <a:rPr lang="en-US" sz="1200" dirty="0">
+                <a:latin typeface="Arial" panose="020B0604020202020204" pitchFamily="34" charset="0"/>
+                <a:cs typeface="Arial" panose="020B0604020202020204" pitchFamily="34" charset="0"/>
+              </a:rPr>
+              <a:t>ADC</a:t>
+            </a:r>
+          </a:p>
+        </p:txBody>
+      </p:sp>
+      <p:sp>
+        <p:nvSpPr>
+          <p:cNvPr id="1123" name="TextBox 1122">
+            <a:extLst>
+              <a:ext uri="{FF2B5EF4-FFF2-40B4-BE49-F238E27FC236}">
+                <a16:creationId xmlns:a16="http://schemas.microsoft.com/office/drawing/2014/main" id="{5D70920A-8728-4B84-240C-DE2014128AEB}"/>
+              </a:ext>
+            </a:extLst>
+          </p:cNvPr>
+          <p:cNvSpPr txBox="1"/>
+          <p:nvPr/>
+        </p:nvSpPr>
+        <p:spPr>
+          <a:xfrm>
+            <a:off x="386484" y="3287944"/>
+            <a:ext cx="1448171" cy="276999"/>
+          </a:xfrm>
+          <a:prstGeom prst="rect">
+            <a:avLst/>
+          </a:prstGeom>
+          <a:noFill/>
+          <a:ln>
+            <a:solidFill>
+              <a:schemeClr val="accent1"/>
+            </a:solidFill>
+          </a:ln>
+        </p:spPr>
+        <p:txBody>
+          <a:bodyPr wrap="square" rtlCol="0">
+            <a:spAutoFit/>
+          </a:bodyPr>
+          <a:lstStyle/>
+          <a:p>
+            <a:r>
+              <a:rPr lang="en-US" sz="1200" dirty="0">
+                <a:latin typeface="Arial" panose="020B0604020202020204" pitchFamily="34" charset="0"/>
+                <a:cs typeface="Arial" panose="020B0604020202020204" pitchFamily="34" charset="0"/>
+              </a:rPr>
+              <a:t>5V SYSTEM PWR</a:t>
+            </a:r>
+          </a:p>
+        </p:txBody>
+      </p:sp>
+      <p:cxnSp>
+        <p:nvCxnSpPr>
+          <p:cNvPr id="1125" name="Straight Arrow Connector 1124">
+            <a:extLst>
+              <a:ext uri="{FF2B5EF4-FFF2-40B4-BE49-F238E27FC236}">
+                <a16:creationId xmlns:a16="http://schemas.microsoft.com/office/drawing/2014/main" id="{4436DBA8-AF7A-4765-96E0-9B6B89D8D410}"/>
+              </a:ext>
+            </a:extLst>
+          </p:cNvPr>
+          <p:cNvCxnSpPr>
+            <a:stCxn id="1123" idx="3"/>
+            <a:endCxn id="30" idx="1"/>
+          </p:cNvCxnSpPr>
+          <p:nvPr/>
+        </p:nvCxnSpPr>
+        <p:spPr>
+          <a:xfrm>
+            <a:off x="1834655" y="3426444"/>
+            <a:ext cx="782574" cy="2556"/>
+          </a:xfrm>
+          <a:prstGeom prst="straightConnector1">
+            <a:avLst/>
+          </a:prstGeom>
+          <a:ln>
+            <a:tailEnd type="triangle"/>
+          </a:ln>
+        </p:spPr>
+        <p:style>
+          <a:lnRef idx="2">
+            <a:schemeClr val="accent1"/>
+          </a:lnRef>
+          <a:fillRef idx="0">
+            <a:schemeClr val="accent1"/>
+          </a:fillRef>
+          <a:effectRef idx="1">
+            <a:schemeClr val="accent1"/>
+          </a:effectRef>
+          <a:fontRef idx="minor">
+            <a:schemeClr val="tx1"/>
+          </a:fontRef>
+        </p:style>
+      </p:cxnSp>
+      <p:pic>
+        <p:nvPicPr>
+          <p:cNvPr id="2052" name="Picture 4">
+            <a:extLst>
+              <a:ext uri="{FF2B5EF4-FFF2-40B4-BE49-F238E27FC236}">
+                <a16:creationId xmlns:a16="http://schemas.microsoft.com/office/drawing/2014/main" id="{EE3D94E4-8DAD-C894-D17A-68D0B425D79F}"/>
+              </a:ext>
+            </a:extLst>
+          </p:cNvPr>
+          <p:cNvPicPr>
+            <a:picLocks noChangeAspect="1" noChangeArrowheads="1"/>
+          </p:cNvPicPr>
+          <p:nvPr/>
+        </p:nvPicPr>
+        <p:blipFill>
+          <a:blip r:embed="rId4">
+            <a:extLst>
+              <a:ext uri="{28A0092B-C50C-407E-A947-70E740481C1C}">
+                <a14:useLocalDpi xmlns:a14="http://schemas.microsoft.com/office/drawing/2010/main" val="0"/>
+              </a:ext>
+            </a:extLst>
+          </a:blip>
+          <a:srcRect/>
+          <a:stretch>
+            <a:fillRect/>
+          </a:stretch>
+        </p:blipFill>
+        <p:spPr bwMode="auto">
+          <a:xfrm>
+            <a:off x="10069902" y="1651098"/>
+            <a:ext cx="921886" cy="266483"/>
+          </a:xfrm>
+          <a:prstGeom prst="rect">
+            <a:avLst/>
+          </a:prstGeom>
+          <a:noFill/>
+          <a:extLst>
+            <a:ext uri="{909E8E84-426E-40DD-AFC4-6F175D3DCCD1}">
+              <a14:hiddenFill xmlns:a14="http://schemas.microsoft.com/office/drawing/2010/main">
+                <a:solidFill>
+                  <a:srgbClr val="FFFFFF"/>
+                </a:solidFill>
+              </a14:hiddenFill>
+            </a:ext>
+          </a:extLst>
+        </p:spPr>
+      </p:pic>
+      <p:sp>
+        <p:nvSpPr>
+          <p:cNvPr id="2" name="Rectangle 1">
+            <a:extLst>
+              <a:ext uri="{FF2B5EF4-FFF2-40B4-BE49-F238E27FC236}">
+                <a16:creationId xmlns:a16="http://schemas.microsoft.com/office/drawing/2014/main" id="{1D782F18-83D3-B78B-8681-042106C348EC}"/>
               </a:ext>
             </a:extLst>
           </p:cNvPr>
@@ -6035,703 +7355,53 @@
           </a:p>
         </p:txBody>
       </p:sp>
-      <p:cxnSp>
-        <p:nvCxnSpPr>
-          <p:cNvPr id="1090" name="Straight Arrow Connector 1089">
-            <a:extLst>
-              <a:ext uri="{FF2B5EF4-FFF2-40B4-BE49-F238E27FC236}">
-                <a16:creationId xmlns:a16="http://schemas.microsoft.com/office/drawing/2014/main" id="{E02FAFAB-C787-0139-8D56-A6588FC2EBBE}"/>
-              </a:ext>
-            </a:extLst>
-          </p:cNvPr>
-          <p:cNvCxnSpPr>
-            <a:stCxn id="1081" idx="3"/>
-            <a:endCxn id="1089" idx="1"/>
-          </p:cNvCxnSpPr>
-          <p:nvPr/>
-        </p:nvCxnSpPr>
-        <p:spPr>
-          <a:xfrm>
-            <a:off x="9485094" y="5448405"/>
-            <a:ext cx="455497" cy="0"/>
-          </a:xfrm>
-          <a:prstGeom prst="straightConnector1">
-            <a:avLst/>
-          </a:prstGeom>
-          <a:ln>
-            <a:tailEnd type="triangle"/>
-          </a:ln>
-        </p:spPr>
-        <p:style>
-          <a:lnRef idx="2">
-            <a:schemeClr val="accent1"/>
-          </a:lnRef>
-          <a:fillRef idx="0">
-            <a:schemeClr val="accent1"/>
-          </a:fillRef>
-          <a:effectRef idx="1">
-            <a:schemeClr val="accent1"/>
-          </a:effectRef>
-          <a:fontRef idx="minor">
-            <a:schemeClr val="tx1"/>
-          </a:fontRef>
-        </p:style>
-      </p:cxnSp>
-      <p:cxnSp>
-        <p:nvCxnSpPr>
-          <p:cNvPr id="1091" name="Straight Arrow Connector 1090">
-            <a:extLst>
-              <a:ext uri="{FF2B5EF4-FFF2-40B4-BE49-F238E27FC236}">
-                <a16:creationId xmlns:a16="http://schemas.microsoft.com/office/drawing/2014/main" id="{1414EA40-B1AC-70B5-F819-EED72F8B0234}"/>
-              </a:ext>
-            </a:extLst>
-          </p:cNvPr>
-          <p:cNvCxnSpPr>
-            <a:stCxn id="1089" idx="3"/>
-            <a:endCxn id="1080" idx="1"/>
-          </p:cNvCxnSpPr>
-          <p:nvPr/>
-        </p:nvCxnSpPr>
-        <p:spPr>
-          <a:xfrm flipV="1">
-            <a:off x="10991788" y="5439302"/>
-            <a:ext cx="455500" cy="9103"/>
-          </a:xfrm>
-          <a:prstGeom prst="straightConnector1">
-            <a:avLst/>
-          </a:prstGeom>
-          <a:ln>
-            <a:tailEnd type="triangle"/>
-          </a:ln>
-        </p:spPr>
-        <p:style>
-          <a:lnRef idx="2">
-            <a:schemeClr val="accent1"/>
-          </a:lnRef>
-          <a:fillRef idx="0">
-            <a:schemeClr val="accent1"/>
-          </a:fillRef>
-          <a:effectRef idx="1">
-            <a:schemeClr val="accent1"/>
-          </a:effectRef>
-          <a:fontRef idx="minor">
-            <a:schemeClr val="tx1"/>
-          </a:fontRef>
-        </p:style>
-      </p:cxnSp>
-      <p:sp>
-        <p:nvSpPr>
-          <p:cNvPr id="1092" name="TextBox 1091">
-            <a:extLst>
-              <a:ext uri="{FF2B5EF4-FFF2-40B4-BE49-F238E27FC236}">
-                <a16:creationId xmlns:a16="http://schemas.microsoft.com/office/drawing/2014/main" id="{C9E2B825-4A28-A679-4B10-91C0EE1C6F8D}"/>
-              </a:ext>
-            </a:extLst>
-          </p:cNvPr>
-          <p:cNvSpPr txBox="1"/>
-          <p:nvPr/>
-        </p:nvSpPr>
-        <p:spPr>
-          <a:xfrm>
-            <a:off x="11256336" y="5718625"/>
-            <a:ext cx="971741" cy="307777"/>
+      <p:pic>
+        <p:nvPicPr>
+          <p:cNvPr id="3" name="Picture 4">
+            <a:extLst>
+              <a:ext uri="{FF2B5EF4-FFF2-40B4-BE49-F238E27FC236}">
+                <a16:creationId xmlns:a16="http://schemas.microsoft.com/office/drawing/2014/main" id="{05403CAF-3A0E-6220-6691-DF59A490C6B9}"/>
+              </a:ext>
+            </a:extLst>
+          </p:cNvPr>
+          <p:cNvPicPr>
+            <a:picLocks noChangeAspect="1" noChangeArrowheads="1"/>
+          </p:cNvPicPr>
+          <p:nvPr/>
+        </p:nvPicPr>
+        <p:blipFill>
+          <a:blip r:embed="rId4">
+            <a:extLst>
+              <a:ext uri="{28A0092B-C50C-407E-A947-70E740481C1C}">
+                <a14:useLocalDpi xmlns:a14="http://schemas.microsoft.com/office/drawing/2010/main" val="0"/>
+              </a:ext>
+            </a:extLst>
+          </a:blip>
+          <a:srcRect/>
+          <a:stretch>
+            <a:fillRect/>
+          </a:stretch>
+        </p:blipFill>
+        <p:spPr bwMode="auto">
+          <a:xfrm>
+            <a:off x="10069902" y="5689921"/>
+            <a:ext cx="921886" cy="266483"/>
           </a:xfrm>
           <a:prstGeom prst="rect">
             <a:avLst/>
           </a:prstGeom>
           <a:noFill/>
-        </p:spPr>
-        <p:txBody>
-          <a:bodyPr wrap="none" rtlCol="0">
-            <a:spAutoFit/>
-          </a:bodyPr>
-          <a:lstStyle/>
-          <a:p>
-            <a:r>
-              <a:rPr lang="en-US" sz="1400" b="1" dirty="0">
-                <a:latin typeface="Arial" panose="020B0604020202020204" pitchFamily="34" charset="0"/>
-                <a:cs typeface="Arial" panose="020B0604020202020204" pitchFamily="34" charset="0"/>
-              </a:rPr>
-              <a:t>CH2 OUT</a:t>
-            </a:r>
-          </a:p>
-        </p:txBody>
-      </p:sp>
-      <p:cxnSp>
-        <p:nvCxnSpPr>
-          <p:cNvPr id="1096" name="Connector: Elbow 1095">
-            <a:extLst>
-              <a:ext uri="{FF2B5EF4-FFF2-40B4-BE49-F238E27FC236}">
-                <a16:creationId xmlns:a16="http://schemas.microsoft.com/office/drawing/2014/main" id="{03B23965-09F1-C2DD-21FC-A5F3860AAFA8}"/>
-              </a:ext>
-            </a:extLst>
-          </p:cNvPr>
-          <p:cNvCxnSpPr>
-            <a:stCxn id="6" idx="2"/>
-            <a:endCxn id="30" idx="0"/>
-          </p:cNvCxnSpPr>
-          <p:nvPr/>
-        </p:nvCxnSpPr>
-        <p:spPr>
-          <a:xfrm rot="16200000" flipH="1">
-            <a:off x="4396242" y="2218390"/>
-            <a:ext cx="594236" cy="227748"/>
-          </a:xfrm>
-          <a:prstGeom prst="bentConnector3">
-            <a:avLst/>
-          </a:prstGeom>
-          <a:ln>
-            <a:headEnd type="triangle"/>
-            <a:tailEnd type="triangle"/>
-          </a:ln>
-        </p:spPr>
-        <p:style>
-          <a:lnRef idx="2">
-            <a:schemeClr val="accent1"/>
-          </a:lnRef>
-          <a:fillRef idx="0">
-            <a:schemeClr val="accent1"/>
-          </a:fillRef>
-          <a:effectRef idx="1">
-            <a:schemeClr val="accent1"/>
-          </a:effectRef>
-          <a:fontRef idx="minor">
-            <a:schemeClr val="tx1"/>
-          </a:fontRef>
-        </p:style>
-      </p:cxnSp>
-      <p:cxnSp>
-        <p:nvCxnSpPr>
-          <p:cNvPr id="1098" name="Connector: Elbow 1097">
-            <a:extLst>
-              <a:ext uri="{FF2B5EF4-FFF2-40B4-BE49-F238E27FC236}">
-                <a16:creationId xmlns:a16="http://schemas.microsoft.com/office/drawing/2014/main" id="{7B469490-C671-5FFF-03A9-2C821379E6DB}"/>
-              </a:ext>
-            </a:extLst>
-          </p:cNvPr>
-          <p:cNvCxnSpPr>
-            <a:cxnSpLocks/>
-            <a:stCxn id="4" idx="2"/>
-          </p:cNvCxnSpPr>
-          <p:nvPr/>
-        </p:nvCxnSpPr>
-        <p:spPr>
-          <a:xfrm rot="16200000" flipH="1">
-            <a:off x="1654106" y="2017178"/>
-            <a:ext cx="945120" cy="981064"/>
-          </a:xfrm>
-          <a:prstGeom prst="bentConnector2">
-            <a:avLst/>
-          </a:prstGeom>
-          <a:ln>
-            <a:headEnd type="triangle"/>
-            <a:tailEnd type="none"/>
-          </a:ln>
-        </p:spPr>
-        <p:style>
-          <a:lnRef idx="2">
-            <a:schemeClr val="accent1"/>
-          </a:lnRef>
-          <a:fillRef idx="0">
-            <a:schemeClr val="accent1"/>
-          </a:fillRef>
-          <a:effectRef idx="1">
-            <a:schemeClr val="accent1"/>
-          </a:effectRef>
-          <a:fontRef idx="minor">
-            <a:schemeClr val="tx1"/>
-          </a:fontRef>
-        </p:style>
-      </p:cxnSp>
-      <p:cxnSp>
-        <p:nvCxnSpPr>
-          <p:cNvPr id="1104" name="Connector: Elbow 1103">
-            <a:extLst>
-              <a:ext uri="{FF2B5EF4-FFF2-40B4-BE49-F238E27FC236}">
-                <a16:creationId xmlns:a16="http://schemas.microsoft.com/office/drawing/2014/main" id="{270383A1-7BFE-8ABC-B12F-384D4C8AFB98}"/>
-              </a:ext>
-            </a:extLst>
-          </p:cNvPr>
-          <p:cNvCxnSpPr>
-            <a:stCxn id="10" idx="2"/>
-          </p:cNvCxnSpPr>
-          <p:nvPr/>
-        </p:nvCxnSpPr>
-        <p:spPr>
-          <a:xfrm rot="5400000">
-            <a:off x="7532900" y="1499483"/>
-            <a:ext cx="890937" cy="1962257"/>
-          </a:xfrm>
-          <a:prstGeom prst="bentConnector2">
-            <a:avLst/>
-          </a:prstGeom>
-          <a:ln>
-            <a:tailEnd type="triangle"/>
-          </a:ln>
-        </p:spPr>
-        <p:style>
-          <a:lnRef idx="2">
-            <a:schemeClr val="accent1"/>
-          </a:lnRef>
-          <a:fillRef idx="0">
-            <a:schemeClr val="accent1"/>
-          </a:fillRef>
-          <a:effectRef idx="1">
-            <a:schemeClr val="accent1"/>
-          </a:effectRef>
-          <a:fontRef idx="minor">
-            <a:schemeClr val="tx1"/>
-          </a:fontRef>
-        </p:style>
-      </p:cxnSp>
-      <p:cxnSp>
-        <p:nvCxnSpPr>
-          <p:cNvPr id="1106" name="Connector: Elbow 1105">
-            <a:extLst>
-              <a:ext uri="{FF2B5EF4-FFF2-40B4-BE49-F238E27FC236}">
-                <a16:creationId xmlns:a16="http://schemas.microsoft.com/office/drawing/2014/main" id="{2662FEE8-65CB-E0FE-9CB0-BF6541F6DD21}"/>
-              </a:ext>
-            </a:extLst>
-          </p:cNvPr>
-          <p:cNvCxnSpPr>
-            <a:stCxn id="1040" idx="2"/>
-          </p:cNvCxnSpPr>
-          <p:nvPr/>
-        </p:nvCxnSpPr>
-        <p:spPr>
-          <a:xfrm rot="5400000">
-            <a:off x="8177856" y="854493"/>
-            <a:ext cx="1107684" cy="3468984"/>
-          </a:xfrm>
-          <a:prstGeom prst="bentConnector2">
-            <a:avLst/>
-          </a:prstGeom>
-          <a:ln>
-            <a:headEnd type="triangle"/>
-            <a:tailEnd type="none"/>
-          </a:ln>
-        </p:spPr>
-        <p:style>
-          <a:lnRef idx="2">
-            <a:schemeClr val="accent1"/>
-          </a:lnRef>
-          <a:fillRef idx="0">
-            <a:schemeClr val="accent1"/>
-          </a:fillRef>
-          <a:effectRef idx="1">
-            <a:schemeClr val="accent1"/>
-          </a:effectRef>
-          <a:fontRef idx="minor">
-            <a:schemeClr val="tx1"/>
-          </a:fontRef>
-        </p:style>
-      </p:cxnSp>
-      <p:cxnSp>
-        <p:nvCxnSpPr>
-          <p:cNvPr id="1108" name="Connector: Elbow 1107">
-            <a:extLst>
-              <a:ext uri="{FF2B5EF4-FFF2-40B4-BE49-F238E27FC236}">
-                <a16:creationId xmlns:a16="http://schemas.microsoft.com/office/drawing/2014/main" id="{08697D19-57D8-B16A-76B8-3FA189EB171C}"/>
-              </a:ext>
-            </a:extLst>
-          </p:cNvPr>
-          <p:cNvCxnSpPr>
-            <a:stCxn id="1077" idx="0"/>
-            <a:endCxn id="30" idx="2"/>
-          </p:cNvCxnSpPr>
-          <p:nvPr/>
-        </p:nvCxnSpPr>
-        <p:spPr>
-          <a:xfrm rot="5400000" flipH="1" flipV="1">
-            <a:off x="4396246" y="4411858"/>
-            <a:ext cx="594229" cy="227748"/>
-          </a:xfrm>
-          <a:prstGeom prst="bentConnector3">
-            <a:avLst/>
-          </a:prstGeom>
-          <a:ln>
-            <a:headEnd type="triangle"/>
-            <a:tailEnd type="triangle"/>
-          </a:ln>
-        </p:spPr>
-        <p:style>
-          <a:lnRef idx="2">
-            <a:schemeClr val="accent1"/>
-          </a:lnRef>
-          <a:fillRef idx="0">
-            <a:schemeClr val="accent1"/>
-          </a:fillRef>
-          <a:effectRef idx="1">
-            <a:schemeClr val="accent1"/>
-          </a:effectRef>
-          <a:fontRef idx="minor">
-            <a:schemeClr val="tx1"/>
-          </a:fontRef>
-        </p:style>
-      </p:cxnSp>
-      <p:cxnSp>
-        <p:nvCxnSpPr>
-          <p:cNvPr id="1110" name="Connector: Elbow 1109">
-            <a:extLst>
-              <a:ext uri="{FF2B5EF4-FFF2-40B4-BE49-F238E27FC236}">
-                <a16:creationId xmlns:a16="http://schemas.microsoft.com/office/drawing/2014/main" id="{ED07CCB4-FCEA-5CBF-ED56-2A896A7DA913}"/>
-              </a:ext>
-            </a:extLst>
-          </p:cNvPr>
-          <p:cNvCxnSpPr>
-            <a:cxnSpLocks/>
-            <a:stCxn id="1075" idx="0"/>
-          </p:cNvCxnSpPr>
-          <p:nvPr/>
-        </p:nvCxnSpPr>
-        <p:spPr>
-          <a:xfrm rot="5400000" flipH="1" flipV="1">
-            <a:off x="1667044" y="3846814"/>
-            <a:ext cx="945126" cy="1006947"/>
-          </a:xfrm>
-          <a:prstGeom prst="bentConnector2">
-            <a:avLst/>
-          </a:prstGeom>
-          <a:ln>
-            <a:headEnd type="triangle"/>
-            <a:tailEnd type="none"/>
-          </a:ln>
-        </p:spPr>
-        <p:style>
-          <a:lnRef idx="2">
-            <a:schemeClr val="accent1"/>
-          </a:lnRef>
-          <a:fillRef idx="0">
-            <a:schemeClr val="accent1"/>
-          </a:fillRef>
-          <a:effectRef idx="1">
-            <a:schemeClr val="accent1"/>
-          </a:effectRef>
-          <a:fontRef idx="minor">
-            <a:schemeClr val="tx1"/>
-          </a:fontRef>
-        </p:style>
-      </p:cxnSp>
-      <p:cxnSp>
-        <p:nvCxnSpPr>
-          <p:cNvPr id="1114" name="Connector: Elbow 1113">
-            <a:extLst>
-              <a:ext uri="{FF2B5EF4-FFF2-40B4-BE49-F238E27FC236}">
-                <a16:creationId xmlns:a16="http://schemas.microsoft.com/office/drawing/2014/main" id="{35350D40-D4CC-B655-3DF7-9C4830C84F24}"/>
-              </a:ext>
-            </a:extLst>
-          </p:cNvPr>
-          <p:cNvCxnSpPr>
-            <a:stCxn id="1081" idx="0"/>
-          </p:cNvCxnSpPr>
-          <p:nvPr/>
-        </p:nvCxnSpPr>
-        <p:spPr>
-          <a:xfrm rot="16200000" flipV="1">
-            <a:off x="7537970" y="3401317"/>
-            <a:ext cx="880763" cy="1962290"/>
-          </a:xfrm>
-          <a:prstGeom prst="bentConnector2">
-            <a:avLst/>
-          </a:prstGeom>
-          <a:ln>
-            <a:tailEnd type="triangle"/>
-          </a:ln>
-        </p:spPr>
-        <p:style>
-          <a:lnRef idx="2">
-            <a:schemeClr val="accent1"/>
-          </a:lnRef>
-          <a:fillRef idx="0">
-            <a:schemeClr val="accent1"/>
-          </a:fillRef>
-          <a:effectRef idx="1">
-            <a:schemeClr val="accent1"/>
-          </a:effectRef>
-          <a:fontRef idx="minor">
-            <a:schemeClr val="tx1"/>
-          </a:fontRef>
-        </p:style>
-      </p:cxnSp>
-      <p:cxnSp>
-        <p:nvCxnSpPr>
-          <p:cNvPr id="1116" name="Connector: Elbow 1115">
-            <a:extLst>
-              <a:ext uri="{FF2B5EF4-FFF2-40B4-BE49-F238E27FC236}">
-                <a16:creationId xmlns:a16="http://schemas.microsoft.com/office/drawing/2014/main" id="{D4C0CA12-E15F-332A-EB15-3C3CD9C7B98E}"/>
-              </a:ext>
-            </a:extLst>
-          </p:cNvPr>
-          <p:cNvCxnSpPr>
-            <a:stCxn id="1089" idx="0"/>
-          </p:cNvCxnSpPr>
-          <p:nvPr/>
-        </p:nvCxnSpPr>
-        <p:spPr>
-          <a:xfrm rot="16200000" flipV="1">
-            <a:off x="8145690" y="2502343"/>
-            <a:ext cx="1172016" cy="3468984"/>
-          </a:xfrm>
-          <a:prstGeom prst="bentConnector2">
-            <a:avLst/>
-          </a:prstGeom>
-          <a:ln>
-            <a:headEnd type="triangle"/>
-            <a:tailEnd type="none"/>
-          </a:ln>
-        </p:spPr>
-        <p:style>
-          <a:lnRef idx="2">
-            <a:schemeClr val="accent1"/>
-          </a:lnRef>
-          <a:fillRef idx="0">
-            <a:schemeClr val="accent1"/>
-          </a:fillRef>
-          <a:effectRef idx="1">
-            <a:schemeClr val="accent1"/>
-          </a:effectRef>
-          <a:fontRef idx="minor">
-            <a:schemeClr val="tx1"/>
-          </a:fontRef>
-        </p:style>
-      </p:cxnSp>
-      <p:sp>
-        <p:nvSpPr>
-          <p:cNvPr id="1119" name="TextBox 1118">
-            <a:extLst>
-              <a:ext uri="{FF2B5EF4-FFF2-40B4-BE49-F238E27FC236}">
-                <a16:creationId xmlns:a16="http://schemas.microsoft.com/office/drawing/2014/main" id="{5D7C5854-5352-797D-4B09-9986C8EFC6DE}"/>
-              </a:ext>
-            </a:extLst>
-          </p:cNvPr>
-          <p:cNvSpPr txBox="1"/>
-          <p:nvPr/>
-        </p:nvSpPr>
-        <p:spPr>
-          <a:xfrm>
-            <a:off x="4770652" y="2219653"/>
-            <a:ext cx="423514" cy="276999"/>
-          </a:xfrm>
-          <a:prstGeom prst="rect">
-            <a:avLst/>
-          </a:prstGeom>
-          <a:noFill/>
-        </p:spPr>
-        <p:txBody>
-          <a:bodyPr wrap="none" rtlCol="0">
-            <a:spAutoFit/>
-          </a:bodyPr>
-          <a:lstStyle/>
-          <a:p>
-            <a:r>
-              <a:rPr lang="en-US" sz="1200" dirty="0">
-                <a:latin typeface="Arial" panose="020B0604020202020204" pitchFamily="34" charset="0"/>
-                <a:cs typeface="Arial" panose="020B0604020202020204" pitchFamily="34" charset="0"/>
-              </a:rPr>
-              <a:t>I2C</a:t>
-            </a:r>
-          </a:p>
-        </p:txBody>
-      </p:sp>
-      <p:sp>
-        <p:nvSpPr>
-          <p:cNvPr id="1120" name="TextBox 1119">
-            <a:extLst>
-              <a:ext uri="{FF2B5EF4-FFF2-40B4-BE49-F238E27FC236}">
-                <a16:creationId xmlns:a16="http://schemas.microsoft.com/office/drawing/2014/main" id="{6140BD97-2551-980E-B35F-4807BDF24DE8}"/>
-              </a:ext>
-            </a:extLst>
-          </p:cNvPr>
-          <p:cNvSpPr txBox="1"/>
-          <p:nvPr/>
-        </p:nvSpPr>
-        <p:spPr>
-          <a:xfrm>
-            <a:off x="4785933" y="4391551"/>
-            <a:ext cx="423514" cy="276999"/>
-          </a:xfrm>
-          <a:prstGeom prst="rect">
-            <a:avLst/>
-          </a:prstGeom>
-          <a:noFill/>
-        </p:spPr>
-        <p:txBody>
-          <a:bodyPr wrap="none" rtlCol="0">
-            <a:spAutoFit/>
-          </a:bodyPr>
-          <a:lstStyle/>
-          <a:p>
-            <a:r>
-              <a:rPr lang="en-US" sz="1200" dirty="0">
-                <a:latin typeface="Arial" panose="020B0604020202020204" pitchFamily="34" charset="0"/>
-                <a:cs typeface="Arial" panose="020B0604020202020204" pitchFamily="34" charset="0"/>
-              </a:rPr>
-              <a:t>I2C</a:t>
-            </a:r>
-          </a:p>
-        </p:txBody>
-      </p:sp>
-      <p:sp>
-        <p:nvSpPr>
-          <p:cNvPr id="1121" name="TextBox 1120">
-            <a:extLst>
-              <a:ext uri="{FF2B5EF4-FFF2-40B4-BE49-F238E27FC236}">
-                <a16:creationId xmlns:a16="http://schemas.microsoft.com/office/drawing/2014/main" id="{0F068A9F-22DD-0D95-CDBF-AA0E42A18BE6}"/>
-              </a:ext>
-            </a:extLst>
-          </p:cNvPr>
-          <p:cNvSpPr txBox="1"/>
-          <p:nvPr/>
-        </p:nvSpPr>
-        <p:spPr>
-          <a:xfrm>
-            <a:off x="7240946" y="2702614"/>
-            <a:ext cx="508473" cy="276999"/>
-          </a:xfrm>
-          <a:prstGeom prst="rect">
-            <a:avLst/>
-          </a:prstGeom>
-          <a:noFill/>
-        </p:spPr>
-        <p:txBody>
-          <a:bodyPr wrap="none" rtlCol="0">
-            <a:spAutoFit/>
-          </a:bodyPr>
-          <a:lstStyle/>
-          <a:p>
-            <a:r>
-              <a:rPr lang="en-US" sz="1200" dirty="0">
-                <a:latin typeface="Arial" panose="020B0604020202020204" pitchFamily="34" charset="0"/>
-                <a:cs typeface="Arial" panose="020B0604020202020204" pitchFamily="34" charset="0"/>
-              </a:rPr>
-              <a:t>ADC</a:t>
-            </a:r>
-          </a:p>
-        </p:txBody>
-      </p:sp>
-      <p:sp>
-        <p:nvSpPr>
-          <p:cNvPr id="1122" name="TextBox 1121">
-            <a:extLst>
-              <a:ext uri="{FF2B5EF4-FFF2-40B4-BE49-F238E27FC236}">
-                <a16:creationId xmlns:a16="http://schemas.microsoft.com/office/drawing/2014/main" id="{DE2709CF-222F-3EBB-61EB-EB2BA8CA9E87}"/>
-              </a:ext>
-            </a:extLst>
-          </p:cNvPr>
-          <p:cNvSpPr txBox="1"/>
-          <p:nvPr/>
-        </p:nvSpPr>
-        <p:spPr>
-          <a:xfrm>
-            <a:off x="7240946" y="3902610"/>
-            <a:ext cx="508473" cy="276999"/>
-          </a:xfrm>
-          <a:prstGeom prst="rect">
-            <a:avLst/>
-          </a:prstGeom>
-          <a:noFill/>
-        </p:spPr>
-        <p:txBody>
-          <a:bodyPr wrap="none" rtlCol="0">
-            <a:spAutoFit/>
-          </a:bodyPr>
-          <a:lstStyle/>
-          <a:p>
-            <a:r>
-              <a:rPr lang="en-US" sz="1200" dirty="0">
-                <a:latin typeface="Arial" panose="020B0604020202020204" pitchFamily="34" charset="0"/>
-                <a:cs typeface="Arial" panose="020B0604020202020204" pitchFamily="34" charset="0"/>
-              </a:rPr>
-              <a:t>ADC</a:t>
-            </a:r>
-          </a:p>
-        </p:txBody>
-      </p:sp>
-      <p:sp>
-        <p:nvSpPr>
-          <p:cNvPr id="1123" name="TextBox 1122">
-            <a:extLst>
-              <a:ext uri="{FF2B5EF4-FFF2-40B4-BE49-F238E27FC236}">
-                <a16:creationId xmlns:a16="http://schemas.microsoft.com/office/drawing/2014/main" id="{5D70920A-8728-4B84-240C-DE2014128AEB}"/>
-              </a:ext>
-            </a:extLst>
-          </p:cNvPr>
-          <p:cNvSpPr txBox="1"/>
-          <p:nvPr/>
-        </p:nvSpPr>
-        <p:spPr>
-          <a:xfrm>
-            <a:off x="386484" y="3287944"/>
-            <a:ext cx="1448171" cy="276999"/>
-          </a:xfrm>
-          <a:prstGeom prst="rect">
-            <a:avLst/>
-          </a:prstGeom>
-          <a:noFill/>
-          <a:ln>
-            <a:solidFill>
-              <a:schemeClr val="accent1"/>
-            </a:solidFill>
-          </a:ln>
-        </p:spPr>
-        <p:txBody>
-          <a:bodyPr wrap="square" rtlCol="0">
-            <a:spAutoFit/>
-          </a:bodyPr>
-          <a:lstStyle/>
-          <a:p>
-            <a:r>
-              <a:rPr lang="en-US" sz="1200" dirty="0">
-                <a:latin typeface="Arial" panose="020B0604020202020204" pitchFamily="34" charset="0"/>
-                <a:cs typeface="Arial" panose="020B0604020202020204" pitchFamily="34" charset="0"/>
-              </a:rPr>
-              <a:t>5V SYSTEM PWR</a:t>
-            </a:r>
-          </a:p>
-        </p:txBody>
-      </p:sp>
-      <p:cxnSp>
-        <p:nvCxnSpPr>
-          <p:cNvPr id="1125" name="Straight Arrow Connector 1124">
-            <a:extLst>
-              <a:ext uri="{FF2B5EF4-FFF2-40B4-BE49-F238E27FC236}">
-                <a16:creationId xmlns:a16="http://schemas.microsoft.com/office/drawing/2014/main" id="{4436DBA8-AF7A-4765-96E0-9B6B89D8D410}"/>
-              </a:ext>
-            </a:extLst>
-          </p:cNvPr>
-          <p:cNvCxnSpPr>
-            <a:stCxn id="1123" idx="3"/>
-            <a:endCxn id="30" idx="1"/>
-          </p:cNvCxnSpPr>
-          <p:nvPr/>
-        </p:nvCxnSpPr>
-        <p:spPr>
-          <a:xfrm>
-            <a:off x="1834655" y="3426444"/>
-            <a:ext cx="782574" cy="2556"/>
-          </a:xfrm>
-          <a:prstGeom prst="straightConnector1">
-            <a:avLst/>
-          </a:prstGeom>
-          <a:ln>
-            <a:tailEnd type="triangle"/>
-          </a:ln>
-        </p:spPr>
-        <p:style>
-          <a:lnRef idx="2">
-            <a:schemeClr val="accent1"/>
-          </a:lnRef>
-          <a:fillRef idx="0">
-            <a:schemeClr val="accent1"/>
-          </a:fillRef>
-          <a:effectRef idx="1">
-            <a:schemeClr val="accent1"/>
-          </a:effectRef>
-          <a:fontRef idx="minor">
-            <a:schemeClr val="tx1"/>
-          </a:fontRef>
-        </p:style>
-      </p:cxnSp>
+          <a:extLst>
+            <a:ext uri="{909E8E84-426E-40DD-AFC4-6F175D3DCCD1}">
+              <a14:hiddenFill xmlns:a14="http://schemas.microsoft.com/office/drawing/2010/main">
+                <a:solidFill>
+                  <a:srgbClr val="FFFFFF"/>
+                </a:solidFill>
+              </a14:hiddenFill>
+            </a:ext>
+          </a:extLst>
+        </p:spPr>
+      </p:pic>
     </p:spTree>
     <p:extLst>
       <p:ext uri="{BB962C8B-B14F-4D97-AF65-F5344CB8AC3E}">

--- a/Documents/Block Diagram/ArbPwrBoost_BlockDiagram.pptx
+++ b/Documents/Block Diagram/ArbPwrBoost_BlockDiagram.pptx
@@ -260,7 +260,7 @@
           <a:p>
             <a:fld id="{7C803F88-51BB-45E7-81D6-BE5590E09D46}" type="datetimeFigureOut">
               <a:rPr lang="en-US" smtClean="0"/>
-              <a:t>2/14/2025</a:t>
+              <a:t>4/14/2025</a:t>
             </a:fld>
             <a:endParaRPr lang="en-US"/>
           </a:p>
@@ -458,7 +458,7 @@
           <a:p>
             <a:fld id="{7C803F88-51BB-45E7-81D6-BE5590E09D46}" type="datetimeFigureOut">
               <a:rPr lang="en-US" smtClean="0"/>
-              <a:t>2/14/2025</a:t>
+              <a:t>4/14/2025</a:t>
             </a:fld>
             <a:endParaRPr lang="en-US"/>
           </a:p>
@@ -666,7 +666,7 @@
           <a:p>
             <a:fld id="{7C803F88-51BB-45E7-81D6-BE5590E09D46}" type="datetimeFigureOut">
               <a:rPr lang="en-US" smtClean="0"/>
-              <a:t>2/14/2025</a:t>
+              <a:t>4/14/2025</a:t>
             </a:fld>
             <a:endParaRPr lang="en-US"/>
           </a:p>
@@ -864,7 +864,7 @@
           <a:p>
             <a:fld id="{7C803F88-51BB-45E7-81D6-BE5590E09D46}" type="datetimeFigureOut">
               <a:rPr lang="en-US" smtClean="0"/>
-              <a:t>2/14/2025</a:t>
+              <a:t>4/14/2025</a:t>
             </a:fld>
             <a:endParaRPr lang="en-US"/>
           </a:p>
@@ -1139,7 +1139,7 @@
           <a:p>
             <a:fld id="{7C803F88-51BB-45E7-81D6-BE5590E09D46}" type="datetimeFigureOut">
               <a:rPr lang="en-US" smtClean="0"/>
-              <a:t>2/14/2025</a:t>
+              <a:t>4/14/2025</a:t>
             </a:fld>
             <a:endParaRPr lang="en-US"/>
           </a:p>
@@ -1404,7 +1404,7 @@
           <a:p>
             <a:fld id="{7C803F88-51BB-45E7-81D6-BE5590E09D46}" type="datetimeFigureOut">
               <a:rPr lang="en-US" smtClean="0"/>
-              <a:t>2/14/2025</a:t>
+              <a:t>4/14/2025</a:t>
             </a:fld>
             <a:endParaRPr lang="en-US"/>
           </a:p>
@@ -1816,7 +1816,7 @@
           <a:p>
             <a:fld id="{7C803F88-51BB-45E7-81D6-BE5590E09D46}" type="datetimeFigureOut">
               <a:rPr lang="en-US" smtClean="0"/>
-              <a:t>2/14/2025</a:t>
+              <a:t>4/14/2025</a:t>
             </a:fld>
             <a:endParaRPr lang="en-US"/>
           </a:p>
@@ -1957,7 +1957,7 @@
           <a:p>
             <a:fld id="{7C803F88-51BB-45E7-81D6-BE5590E09D46}" type="datetimeFigureOut">
               <a:rPr lang="en-US" smtClean="0"/>
-              <a:t>2/14/2025</a:t>
+              <a:t>4/14/2025</a:t>
             </a:fld>
             <a:endParaRPr lang="en-US"/>
           </a:p>
@@ -2070,7 +2070,7 @@
           <a:p>
             <a:fld id="{7C803F88-51BB-45E7-81D6-BE5590E09D46}" type="datetimeFigureOut">
               <a:rPr lang="en-US" smtClean="0"/>
-              <a:t>2/14/2025</a:t>
+              <a:t>4/14/2025</a:t>
             </a:fld>
             <a:endParaRPr lang="en-US"/>
           </a:p>
@@ -2381,7 +2381,7 @@
           <a:p>
             <a:fld id="{7C803F88-51BB-45E7-81D6-BE5590E09D46}" type="datetimeFigureOut">
               <a:rPr lang="en-US" smtClean="0"/>
-              <a:t>2/14/2025</a:t>
+              <a:t>4/14/2025</a:t>
             </a:fld>
             <a:endParaRPr lang="en-US"/>
           </a:p>
@@ -2669,7 +2669,7 @@
           <a:p>
             <a:fld id="{7C803F88-51BB-45E7-81D6-BE5590E09D46}" type="datetimeFigureOut">
               <a:rPr lang="en-US" smtClean="0"/>
-              <a:t>2/14/2025</a:t>
+              <a:t>4/14/2025</a:t>
             </a:fld>
             <a:endParaRPr lang="en-US"/>
           </a:p>
@@ -2910,7 +2910,7 @@
           <a:p>
             <a:fld id="{7C803F88-51BB-45E7-81D6-BE5590E09D46}" type="datetimeFigureOut">
               <a:rPr lang="en-US" smtClean="0"/>
-              <a:t>2/14/2025</a:t>
+              <a:t>4/14/2025</a:t>
             </a:fld>
             <a:endParaRPr lang="en-US"/>
           </a:p>
@@ -3381,7 +3381,7 @@
             <a:pPr algn="ctr"/>
             <a:r>
               <a:rPr lang="en-US" sz="1200" dirty="0"/>
-              <a:t>+20V NOMINAL</a:t>
+              <a:t>+15V NOMINAL</a:t>
             </a:r>
           </a:p>
         </p:txBody>
@@ -3440,7 +3440,7 @@
             <a:pPr algn="ctr"/>
             <a:r>
               <a:rPr lang="en-US" sz="1200" dirty="0"/>
-              <a:t>-20V NOMINAL</a:t>
+              <a:t>-15V NOMINAL</a:t>
             </a:r>
           </a:p>
         </p:txBody>
@@ -3476,7 +3476,7 @@
             <a:pPr algn="ctr"/>
             <a:r>
               <a:rPr lang="en-US" dirty="0"/>
-              <a:t>±20V PWR</a:t>
+              <a:t>±15V PWR</a:t>
             </a:r>
           </a:p>
           <a:p>
@@ -4132,7 +4132,7 @@
         <p:spPr>
           <a:xfrm>
             <a:off x="86485" y="1638507"/>
-            <a:ext cx="1314784" cy="369332"/>
+            <a:ext cx="1297406" cy="369332"/>
           </a:xfrm>
           <a:prstGeom prst="rect">
             <a:avLst/>
@@ -4147,7 +4147,7 @@
           <a:p>
             <a:r>
               <a:rPr lang="en-US" dirty="0"/>
-              <a:t>-20V INPUT</a:t>
+              <a:t>-15V INPUT</a:t>
             </a:r>
           </a:p>
         </p:txBody>
@@ -4182,7 +4182,7 @@
           <a:p>
             <a:r>
               <a:rPr lang="en-US" dirty="0"/>
-              <a:t>+20V INPUT</a:t>
+              <a:t>+15V INPUT</a:t>
             </a:r>
           </a:p>
         </p:txBody>
@@ -5632,7 +5632,7 @@
         </p:nvSpPr>
         <p:spPr>
           <a:xfrm>
-            <a:off x="0" y="1671347"/>
+            <a:off x="0" y="840055"/>
             <a:ext cx="772969" cy="307777"/>
           </a:xfrm>
           <a:prstGeom prst="rect">
@@ -6531,7 +6531,7 @@
         </p:nvSpPr>
         <p:spPr>
           <a:xfrm>
-            <a:off x="0" y="5710170"/>
+            <a:off x="19116" y="5667279"/>
             <a:ext cx="772969" cy="307777"/>
           </a:xfrm>
           <a:prstGeom prst="rect">
@@ -7106,7 +7106,7 @@
         <p:spPr>
           <a:xfrm>
             <a:off x="7240946" y="2702614"/>
-            <a:ext cx="508473" cy="276999"/>
+            <a:ext cx="1210588" cy="276999"/>
           </a:xfrm>
           <a:prstGeom prst="rect">
             <a:avLst/>
@@ -7124,7 +7124,7 @@
                 <a:latin typeface="Arial" panose="020B0604020202020204" pitchFamily="34" charset="0"/>
                 <a:cs typeface="Arial" panose="020B0604020202020204" pitchFamily="34" charset="0"/>
               </a:rPr>
-              <a:t>ADC</a:t>
+              <a:t>ADC – IMON 1</a:t>
             </a:r>
           </a:p>
         </p:txBody>
@@ -7144,7 +7144,7 @@
         <p:spPr>
           <a:xfrm>
             <a:off x="7240946" y="3902610"/>
-            <a:ext cx="508473" cy="276999"/>
+            <a:ext cx="1210588" cy="276999"/>
           </a:xfrm>
           <a:prstGeom prst="rect">
             <a:avLst/>
@@ -7162,7 +7162,7 @@
                 <a:latin typeface="Arial" panose="020B0604020202020204" pitchFamily="34" charset="0"/>
                 <a:cs typeface="Arial" panose="020B0604020202020204" pitchFamily="34" charset="0"/>
               </a:rPr>
-              <a:t>ADC</a:t>
+              <a:t>ADC – IMON 2</a:t>
             </a:r>
           </a:p>
         </p:txBody>
@@ -7402,6 +7402,564 @@
           </a:extLst>
         </p:spPr>
       </p:pic>
+      <p:sp>
+        <p:nvSpPr>
+          <p:cNvPr id="11" name="TextBox 10">
+            <a:extLst>
+              <a:ext uri="{FF2B5EF4-FFF2-40B4-BE49-F238E27FC236}">
+                <a16:creationId xmlns:a16="http://schemas.microsoft.com/office/drawing/2014/main" id="{09549EC6-7BB0-3F3E-733D-E8A2D19B1CED}"/>
+              </a:ext>
+            </a:extLst>
+          </p:cNvPr>
+          <p:cNvSpPr txBox="1"/>
+          <p:nvPr/>
+        </p:nvSpPr>
+        <p:spPr>
+          <a:xfrm>
+            <a:off x="7779813" y="3285981"/>
+            <a:ext cx="1705281" cy="276999"/>
+          </a:xfrm>
+          <a:prstGeom prst="rect">
+            <a:avLst/>
+          </a:prstGeom>
+          <a:noFill/>
+          <a:ln>
+            <a:solidFill>
+              <a:schemeClr val="accent1"/>
+            </a:solidFill>
+          </a:ln>
+        </p:spPr>
+        <p:txBody>
+          <a:bodyPr wrap="square" rtlCol="0">
+            <a:spAutoFit/>
+          </a:bodyPr>
+          <a:lstStyle/>
+          <a:p>
+            <a:r>
+              <a:rPr lang="en-US" sz="1200" dirty="0">
+                <a:latin typeface="Arial" panose="020B0604020202020204" pitchFamily="34" charset="0"/>
+                <a:cs typeface="Arial" panose="020B0604020202020204" pitchFamily="34" charset="0"/>
+              </a:rPr>
+              <a:t>3.3V SYSTEM PWR</a:t>
+            </a:r>
+          </a:p>
+        </p:txBody>
+      </p:sp>
+      <p:cxnSp>
+        <p:nvCxnSpPr>
+          <p:cNvPr id="14" name="Straight Arrow Connector 13">
+            <a:extLst>
+              <a:ext uri="{FF2B5EF4-FFF2-40B4-BE49-F238E27FC236}">
+                <a16:creationId xmlns:a16="http://schemas.microsoft.com/office/drawing/2014/main" id="{6E18EF53-479C-012F-C64D-F75276B905CF}"/>
+              </a:ext>
+            </a:extLst>
+          </p:cNvPr>
+          <p:cNvCxnSpPr>
+            <a:cxnSpLocks/>
+            <a:stCxn id="30" idx="3"/>
+            <a:endCxn id="11" idx="1"/>
+          </p:cNvCxnSpPr>
+          <p:nvPr/>
+        </p:nvCxnSpPr>
+        <p:spPr>
+          <a:xfrm flipV="1">
+            <a:off x="6997239" y="3424481"/>
+            <a:ext cx="782574" cy="4519"/>
+          </a:xfrm>
+          <a:prstGeom prst="straightConnector1">
+            <a:avLst/>
+          </a:prstGeom>
+          <a:ln>
+            <a:tailEnd type="triangle"/>
+          </a:ln>
+        </p:spPr>
+        <p:style>
+          <a:lnRef idx="2">
+            <a:schemeClr val="accent1"/>
+          </a:lnRef>
+          <a:fillRef idx="0">
+            <a:schemeClr val="accent1"/>
+          </a:fillRef>
+          <a:effectRef idx="1">
+            <a:schemeClr val="accent1"/>
+          </a:effectRef>
+          <a:fontRef idx="minor">
+            <a:schemeClr val="tx1"/>
+          </a:fontRef>
+        </p:style>
+      </p:cxnSp>
+      <p:cxnSp>
+        <p:nvCxnSpPr>
+          <p:cNvPr id="26" name="Connector: Elbow 25">
+            <a:extLst>
+              <a:ext uri="{FF2B5EF4-FFF2-40B4-BE49-F238E27FC236}">
+                <a16:creationId xmlns:a16="http://schemas.microsoft.com/office/drawing/2014/main" id="{31D6A56C-12D3-614C-2BFF-97419898C046}"/>
+              </a:ext>
+            </a:extLst>
+          </p:cNvPr>
+          <p:cNvCxnSpPr/>
+          <p:nvPr/>
+        </p:nvCxnSpPr>
+        <p:spPr>
+          <a:xfrm rot="16200000" flipV="1">
+            <a:off x="1794315" y="1958417"/>
+            <a:ext cx="1371718" cy="274048"/>
+          </a:xfrm>
+          <a:prstGeom prst="bentConnector3">
+            <a:avLst>
+              <a:gd name="adj1" fmla="val 699"/>
+            </a:avLst>
+          </a:prstGeom>
+          <a:ln>
+            <a:headEnd type="triangle"/>
+            <a:tailEnd type="none"/>
+          </a:ln>
+        </p:spPr>
+        <p:style>
+          <a:lnRef idx="2">
+            <a:schemeClr val="accent1"/>
+          </a:lnRef>
+          <a:fillRef idx="0">
+            <a:schemeClr val="accent1"/>
+          </a:fillRef>
+          <a:effectRef idx="1">
+            <a:schemeClr val="accent1"/>
+          </a:effectRef>
+          <a:fontRef idx="minor">
+            <a:schemeClr val="tx1"/>
+          </a:fontRef>
+        </p:style>
+      </p:cxnSp>
+      <p:cxnSp>
+        <p:nvCxnSpPr>
+          <p:cNvPr id="31" name="Connector: Elbow 30">
+            <a:extLst>
+              <a:ext uri="{FF2B5EF4-FFF2-40B4-BE49-F238E27FC236}">
+                <a16:creationId xmlns:a16="http://schemas.microsoft.com/office/drawing/2014/main" id="{54B1D798-03B9-C76C-70E7-E0CBDE99EE46}"/>
+              </a:ext>
+            </a:extLst>
+          </p:cNvPr>
+          <p:cNvCxnSpPr/>
+          <p:nvPr/>
+        </p:nvCxnSpPr>
+        <p:spPr>
+          <a:xfrm rot="5400000">
+            <a:off x="1789348" y="4611452"/>
+            <a:ext cx="1381652" cy="274048"/>
+          </a:xfrm>
+          <a:prstGeom prst="bentConnector3">
+            <a:avLst>
+              <a:gd name="adj1" fmla="val -1015"/>
+            </a:avLst>
+          </a:prstGeom>
+          <a:ln>
+            <a:headEnd type="triangle"/>
+            <a:tailEnd type="none"/>
+          </a:ln>
+        </p:spPr>
+        <p:style>
+          <a:lnRef idx="2">
+            <a:schemeClr val="accent1"/>
+          </a:lnRef>
+          <a:fillRef idx="0">
+            <a:schemeClr val="accent1"/>
+          </a:fillRef>
+          <a:effectRef idx="1">
+            <a:schemeClr val="accent1"/>
+          </a:effectRef>
+          <a:fontRef idx="minor">
+            <a:schemeClr val="tx1"/>
+          </a:fontRef>
+        </p:style>
+      </p:cxnSp>
+      <p:sp>
+        <p:nvSpPr>
+          <p:cNvPr id="34" name="TextBox 33">
+            <a:extLst>
+              <a:ext uri="{FF2B5EF4-FFF2-40B4-BE49-F238E27FC236}">
+                <a16:creationId xmlns:a16="http://schemas.microsoft.com/office/drawing/2014/main" id="{ABB08F9F-8F0E-31E6-3AF9-430002BF0BF9}"/>
+              </a:ext>
+            </a:extLst>
+          </p:cNvPr>
+          <p:cNvSpPr txBox="1"/>
+          <p:nvPr/>
+        </p:nvSpPr>
+        <p:spPr>
+          <a:xfrm>
+            <a:off x="2341708" y="4350287"/>
+            <a:ext cx="1184491" cy="276999"/>
+          </a:xfrm>
+          <a:prstGeom prst="rect">
+            <a:avLst/>
+          </a:prstGeom>
+          <a:noFill/>
+        </p:spPr>
+        <p:txBody>
+          <a:bodyPr wrap="none" rtlCol="0">
+            <a:spAutoFit/>
+          </a:bodyPr>
+          <a:lstStyle/>
+          <a:p>
+            <a:r>
+              <a:rPr lang="en-US" sz="1200" dirty="0">
+                <a:latin typeface="Arial" panose="020B0604020202020204" pitchFamily="34" charset="0"/>
+                <a:cs typeface="Arial" panose="020B0604020202020204" pitchFamily="34" charset="0"/>
+              </a:rPr>
+              <a:t>ADC ARB IN 2</a:t>
+            </a:r>
+          </a:p>
+        </p:txBody>
+      </p:sp>
+      <p:sp>
+        <p:nvSpPr>
+          <p:cNvPr id="35" name="TextBox 34">
+            <a:extLst>
+              <a:ext uri="{FF2B5EF4-FFF2-40B4-BE49-F238E27FC236}">
+                <a16:creationId xmlns:a16="http://schemas.microsoft.com/office/drawing/2014/main" id="{5CF4A3EE-372A-9274-BC0A-8EBCAB37E93A}"/>
+              </a:ext>
+            </a:extLst>
+          </p:cNvPr>
+          <p:cNvSpPr txBox="1"/>
+          <p:nvPr/>
+        </p:nvSpPr>
+        <p:spPr>
+          <a:xfrm>
+            <a:off x="2302191" y="2224753"/>
+            <a:ext cx="1184491" cy="276999"/>
+          </a:xfrm>
+          <a:prstGeom prst="rect">
+            <a:avLst/>
+          </a:prstGeom>
+          <a:noFill/>
+        </p:spPr>
+        <p:txBody>
+          <a:bodyPr wrap="none" rtlCol="0">
+            <a:spAutoFit/>
+          </a:bodyPr>
+          <a:lstStyle/>
+          <a:p>
+            <a:r>
+              <a:rPr lang="en-US" sz="1200" dirty="0">
+                <a:latin typeface="Arial" panose="020B0604020202020204" pitchFamily="34" charset="0"/>
+                <a:cs typeface="Arial" panose="020B0604020202020204" pitchFamily="34" charset="0"/>
+              </a:rPr>
+              <a:t>ADC ARB IN 1</a:t>
+            </a:r>
+          </a:p>
+        </p:txBody>
+      </p:sp>
+      <p:cxnSp>
+        <p:nvCxnSpPr>
+          <p:cNvPr id="37" name="Connector: Elbow 36">
+            <a:extLst>
+              <a:ext uri="{FF2B5EF4-FFF2-40B4-BE49-F238E27FC236}">
+                <a16:creationId xmlns:a16="http://schemas.microsoft.com/office/drawing/2014/main" id="{243D7A11-5FAE-2981-D074-F32A3387B13E}"/>
+              </a:ext>
+            </a:extLst>
+          </p:cNvPr>
+          <p:cNvCxnSpPr>
+            <a:endCxn id="1026" idx="2"/>
+          </p:cNvCxnSpPr>
+          <p:nvPr/>
+        </p:nvCxnSpPr>
+        <p:spPr>
+          <a:xfrm rot="10800000">
+            <a:off x="386486" y="1678141"/>
+            <a:ext cx="2209458" cy="1464686"/>
+          </a:xfrm>
+          <a:prstGeom prst="bentConnector2">
+            <a:avLst/>
+          </a:prstGeom>
+          <a:ln>
+            <a:tailEnd type="triangle"/>
+          </a:ln>
+        </p:spPr>
+        <p:style>
+          <a:lnRef idx="2">
+            <a:schemeClr val="accent1"/>
+          </a:lnRef>
+          <a:fillRef idx="0">
+            <a:schemeClr val="accent1"/>
+          </a:fillRef>
+          <a:effectRef idx="1">
+            <a:schemeClr val="accent1"/>
+          </a:effectRef>
+          <a:fontRef idx="minor">
+            <a:schemeClr val="tx1"/>
+          </a:fontRef>
+        </p:style>
+      </p:cxnSp>
+      <p:cxnSp>
+        <p:nvCxnSpPr>
+          <p:cNvPr id="41" name="Connector: Elbow 40">
+            <a:extLst>
+              <a:ext uri="{FF2B5EF4-FFF2-40B4-BE49-F238E27FC236}">
+                <a16:creationId xmlns:a16="http://schemas.microsoft.com/office/drawing/2014/main" id="{8645B9AC-1CC6-E125-664C-60FA79A1DB8A}"/>
+              </a:ext>
+            </a:extLst>
+          </p:cNvPr>
+          <p:cNvCxnSpPr>
+            <a:endCxn id="1074" idx="0"/>
+          </p:cNvCxnSpPr>
+          <p:nvPr/>
+        </p:nvCxnSpPr>
+        <p:spPr>
+          <a:xfrm rot="10800000" flipV="1">
+            <a:off x="386486" y="3650825"/>
+            <a:ext cx="2209458" cy="1529033"/>
+          </a:xfrm>
+          <a:prstGeom prst="bentConnector2">
+            <a:avLst/>
+          </a:prstGeom>
+          <a:ln>
+            <a:tailEnd type="triangle"/>
+          </a:ln>
+        </p:spPr>
+        <p:style>
+          <a:lnRef idx="2">
+            <a:schemeClr val="accent1"/>
+          </a:lnRef>
+          <a:fillRef idx="0">
+            <a:schemeClr val="accent1"/>
+          </a:fillRef>
+          <a:effectRef idx="1">
+            <a:schemeClr val="accent1"/>
+          </a:effectRef>
+          <a:fontRef idx="minor">
+            <a:schemeClr val="tx1"/>
+          </a:fontRef>
+        </p:style>
+      </p:cxnSp>
+      <p:cxnSp>
+        <p:nvCxnSpPr>
+          <p:cNvPr id="43" name="Straight Arrow Connector 42">
+            <a:extLst>
+              <a:ext uri="{FF2B5EF4-FFF2-40B4-BE49-F238E27FC236}">
+                <a16:creationId xmlns:a16="http://schemas.microsoft.com/office/drawing/2014/main" id="{154651F7-16FC-65BF-72CD-1F4B209D5138}"/>
+              </a:ext>
+            </a:extLst>
+          </p:cNvPr>
+          <p:cNvCxnSpPr/>
+          <p:nvPr/>
+        </p:nvCxnSpPr>
+        <p:spPr>
+          <a:xfrm>
+            <a:off x="5729440" y="2219653"/>
+            <a:ext cx="0" cy="409729"/>
+          </a:xfrm>
+          <a:prstGeom prst="straightConnector1">
+            <a:avLst/>
+          </a:prstGeom>
+          <a:ln>
+            <a:tailEnd type="triangle"/>
+          </a:ln>
+        </p:spPr>
+        <p:style>
+          <a:lnRef idx="2">
+            <a:schemeClr val="accent1"/>
+          </a:lnRef>
+          <a:fillRef idx="0">
+            <a:schemeClr val="accent1"/>
+          </a:fillRef>
+          <a:effectRef idx="1">
+            <a:schemeClr val="accent1"/>
+          </a:effectRef>
+          <a:fontRef idx="minor">
+            <a:schemeClr val="tx1"/>
+          </a:fontRef>
+        </p:style>
+      </p:cxnSp>
+      <p:sp>
+        <p:nvSpPr>
+          <p:cNvPr id="44" name="TextBox 43">
+            <a:extLst>
+              <a:ext uri="{FF2B5EF4-FFF2-40B4-BE49-F238E27FC236}">
+                <a16:creationId xmlns:a16="http://schemas.microsoft.com/office/drawing/2014/main" id="{D2CE9F9F-9751-EF0E-09EC-541560079BF0}"/>
+              </a:ext>
+            </a:extLst>
+          </p:cNvPr>
+          <p:cNvSpPr txBox="1"/>
+          <p:nvPr/>
+        </p:nvSpPr>
+        <p:spPr>
+          <a:xfrm>
+            <a:off x="5254992" y="1978116"/>
+            <a:ext cx="949299" cy="276999"/>
+          </a:xfrm>
+          <a:prstGeom prst="rect">
+            <a:avLst/>
+          </a:prstGeom>
+          <a:noFill/>
+        </p:spPr>
+        <p:txBody>
+          <a:bodyPr wrap="none" rtlCol="0">
+            <a:spAutoFit/>
+          </a:bodyPr>
+          <a:lstStyle/>
+          <a:p>
+            <a:r>
+              <a:rPr lang="en-US" sz="1200" dirty="0">
+                <a:latin typeface="Arial" panose="020B0604020202020204" pitchFamily="34" charset="0"/>
+                <a:cs typeface="Arial" panose="020B0604020202020204" pitchFamily="34" charset="0"/>
+              </a:rPr>
+              <a:t>+15V MON</a:t>
+            </a:r>
+          </a:p>
+        </p:txBody>
+      </p:sp>
+      <p:cxnSp>
+        <p:nvCxnSpPr>
+          <p:cNvPr id="45" name="Straight Arrow Connector 44">
+            <a:extLst>
+              <a:ext uri="{FF2B5EF4-FFF2-40B4-BE49-F238E27FC236}">
+                <a16:creationId xmlns:a16="http://schemas.microsoft.com/office/drawing/2014/main" id="{E28AF7FF-C010-ADE5-5604-B5C34CD8175E}"/>
+              </a:ext>
+            </a:extLst>
+          </p:cNvPr>
+          <p:cNvCxnSpPr/>
+          <p:nvPr/>
+        </p:nvCxnSpPr>
+        <p:spPr>
+          <a:xfrm>
+            <a:off x="6699389" y="2219653"/>
+            <a:ext cx="0" cy="409729"/>
+          </a:xfrm>
+          <a:prstGeom prst="straightConnector1">
+            <a:avLst/>
+          </a:prstGeom>
+          <a:ln>
+            <a:tailEnd type="triangle"/>
+          </a:ln>
+        </p:spPr>
+        <p:style>
+          <a:lnRef idx="2">
+            <a:schemeClr val="accent1"/>
+          </a:lnRef>
+          <a:fillRef idx="0">
+            <a:schemeClr val="accent1"/>
+          </a:fillRef>
+          <a:effectRef idx="1">
+            <a:schemeClr val="accent1"/>
+          </a:effectRef>
+          <a:fontRef idx="minor">
+            <a:schemeClr val="tx1"/>
+          </a:fontRef>
+        </p:style>
+      </p:cxnSp>
+      <p:sp>
+        <p:nvSpPr>
+          <p:cNvPr id="46" name="TextBox 45">
+            <a:extLst>
+              <a:ext uri="{FF2B5EF4-FFF2-40B4-BE49-F238E27FC236}">
+                <a16:creationId xmlns:a16="http://schemas.microsoft.com/office/drawing/2014/main" id="{AF959DAE-1BF4-AF51-4806-4F8B9FFADBAD}"/>
+              </a:ext>
+            </a:extLst>
+          </p:cNvPr>
+          <p:cNvSpPr txBox="1"/>
+          <p:nvPr/>
+        </p:nvSpPr>
+        <p:spPr>
+          <a:xfrm>
+            <a:off x="6244454" y="1978116"/>
+            <a:ext cx="910827" cy="276999"/>
+          </a:xfrm>
+          <a:prstGeom prst="rect">
+            <a:avLst/>
+          </a:prstGeom>
+          <a:noFill/>
+        </p:spPr>
+        <p:txBody>
+          <a:bodyPr wrap="none" rtlCol="0">
+            <a:spAutoFit/>
+          </a:bodyPr>
+          <a:lstStyle/>
+          <a:p>
+            <a:r>
+              <a:rPr lang="en-US" sz="1200" dirty="0">
+                <a:latin typeface="Arial" panose="020B0604020202020204" pitchFamily="34" charset="0"/>
+                <a:cs typeface="Arial" panose="020B0604020202020204" pitchFamily="34" charset="0"/>
+              </a:rPr>
+              <a:t>-15V MON</a:t>
+            </a:r>
+          </a:p>
+        </p:txBody>
+      </p:sp>
+      <p:sp>
+        <p:nvSpPr>
+          <p:cNvPr id="51" name="TextBox 50">
+            <a:extLst>
+              <a:ext uri="{FF2B5EF4-FFF2-40B4-BE49-F238E27FC236}">
+                <a16:creationId xmlns:a16="http://schemas.microsoft.com/office/drawing/2014/main" id="{691149E4-A334-771D-7EAB-E0A48181C117}"/>
+              </a:ext>
+            </a:extLst>
+          </p:cNvPr>
+          <p:cNvSpPr txBox="1"/>
+          <p:nvPr/>
+        </p:nvSpPr>
+        <p:spPr>
+          <a:xfrm>
+            <a:off x="5691677" y="2286017"/>
+            <a:ext cx="508473" cy="276999"/>
+          </a:xfrm>
+          <a:prstGeom prst="rect">
+            <a:avLst/>
+          </a:prstGeom>
+          <a:noFill/>
+        </p:spPr>
+        <p:txBody>
+          <a:bodyPr wrap="none" rtlCol="0">
+            <a:spAutoFit/>
+          </a:bodyPr>
+          <a:lstStyle/>
+          <a:p>
+            <a:r>
+              <a:rPr lang="en-US" sz="1200" dirty="0">
+                <a:latin typeface="Arial" panose="020B0604020202020204" pitchFamily="34" charset="0"/>
+                <a:cs typeface="Arial" panose="020B0604020202020204" pitchFamily="34" charset="0"/>
+              </a:rPr>
+              <a:t>ADC</a:t>
+            </a:r>
+          </a:p>
+        </p:txBody>
+      </p:sp>
+      <p:sp>
+        <p:nvSpPr>
+          <p:cNvPr id="52" name="TextBox 51">
+            <a:extLst>
+              <a:ext uri="{FF2B5EF4-FFF2-40B4-BE49-F238E27FC236}">
+                <a16:creationId xmlns:a16="http://schemas.microsoft.com/office/drawing/2014/main" id="{7D069C63-61C3-99D0-3027-90DFB249D379}"/>
+              </a:ext>
+            </a:extLst>
+          </p:cNvPr>
+          <p:cNvSpPr txBox="1"/>
+          <p:nvPr/>
+        </p:nvSpPr>
+        <p:spPr>
+          <a:xfrm>
+            <a:off x="6658090" y="2271335"/>
+            <a:ext cx="508473" cy="276999"/>
+          </a:xfrm>
+          <a:prstGeom prst="rect">
+            <a:avLst/>
+          </a:prstGeom>
+          <a:noFill/>
+        </p:spPr>
+        <p:txBody>
+          <a:bodyPr wrap="none" rtlCol="0">
+            <a:spAutoFit/>
+          </a:bodyPr>
+          <a:lstStyle/>
+          <a:p>
+            <a:r>
+              <a:rPr lang="en-US" sz="1200" dirty="0">
+                <a:latin typeface="Arial" panose="020B0604020202020204" pitchFamily="34" charset="0"/>
+                <a:cs typeface="Arial" panose="020B0604020202020204" pitchFamily="34" charset="0"/>
+              </a:rPr>
+              <a:t>ADC</a:t>
+            </a:r>
+          </a:p>
+        </p:txBody>
+      </p:sp>
     </p:spTree>
     <p:extLst>
       <p:ext uri="{BB962C8B-B14F-4D97-AF65-F5344CB8AC3E}">
